--- a/AUTRES/DOC/Projet Plast’Prod.pptx
+++ b/AUTRES/DOC/Projet Plast’Prod.pptx
@@ -25,10 +25,13 @@
     <p:sldId id="272" r:id="rId19"/>
     <p:sldId id="281" r:id="rId20"/>
     <p:sldId id="275" r:id="rId21"/>
-    <p:sldId id="279" r:id="rId22"/>
-    <p:sldId id="278" r:id="rId23"/>
-    <p:sldId id="276" r:id="rId24"/>
-    <p:sldId id="277" r:id="rId25"/>
+    <p:sldId id="282" r:id="rId22"/>
+    <p:sldId id="284" r:id="rId23"/>
+    <p:sldId id="283" r:id="rId24"/>
+    <p:sldId id="279" r:id="rId25"/>
+    <p:sldId id="278" r:id="rId26"/>
+    <p:sldId id="276" r:id="rId27"/>
+    <p:sldId id="277" r:id="rId28"/>
   </p:sldIdLst>
   <p:sldSz cx="9144000" cy="6858000" type="screen4x3"/>
   <p:notesSz cx="6858000" cy="9144000"/>
@@ -4992,7 +4995,7 @@
               <a:t>(appuyé par un plugin </a:t>
             </a:r>
             <a:r>
-              <a:rPr lang="fr-FR" smtClean="0"/>
+              <a:rPr lang="fr-FR" dirty="0" err="1" smtClean="0"/>
               <a:t>Netbeans</a:t>
             </a:r>
             <a:r>
@@ -6193,6 +6196,16 @@
 <file path=ppt/slides/slide21.xml><?xml version="1.0" encoding="utf-8"?>
 <p:sld xmlns:a="http://schemas.openxmlformats.org/drawingml/2006/main" xmlns:r="http://schemas.openxmlformats.org/officeDocument/2006/relationships" xmlns:p="http://schemas.openxmlformats.org/presentationml/2006/main">
   <p:cSld>
+    <p:bg>
+      <p:bgPr>
+        <a:solidFill>
+          <a:schemeClr val="tx2">
+            <a:alpha val="20000"/>
+          </a:schemeClr>
+        </a:solidFill>
+        <a:effectLst/>
+      </p:bgPr>
+    </p:bg>
     <p:spTree>
       <p:nvGrpSpPr>
         <p:cNvPr id="1" name=""/>
@@ -6225,11 +6238,11 @@
           <a:lstStyle/>
           <a:p>
             <a:r>
-              <a:rPr lang="fr-FR" dirty="0" smtClean="0">
+              <a:rPr lang="fr-FR" dirty="0" err="1" smtClean="0">
                 <a:latin typeface="Kozuka Gothic Pr6N L" pitchFamily="34" charset="-128"/>
                 <a:ea typeface="Kozuka Gothic Pr6N L" pitchFamily="34" charset="-128"/>
               </a:rPr>
-              <a:t>La démo !</a:t>
+              <a:t>Recettage</a:t>
             </a:r>
             <a:endParaRPr lang="fr-FR" dirty="0">
               <a:latin typeface="Kozuka Gothic Pr6N L" pitchFamily="34" charset="-128"/>
@@ -6263,7 +6276,7 @@
     </p:spTree>
     <p:extLst>
       <p:ext uri="{BB962C8B-B14F-4D97-AF65-F5344CB8AC3E}">
-        <p14:creationId xmlns:p14="http://schemas.microsoft.com/office/powerpoint/2010/main" val="2063510916"/>
+        <p14:creationId xmlns:p14="http://schemas.microsoft.com/office/powerpoint/2010/main" val="2007721912"/>
       </p:ext>
     </p:extLst>
   </p:cSld>
@@ -6274,6 +6287,192 @@
 </file>
 
 <file path=ppt/slides/slide22.xml><?xml version="1.0" encoding="utf-8"?>
+<p:sld xmlns:a="http://schemas.openxmlformats.org/drawingml/2006/main" xmlns:r="http://schemas.openxmlformats.org/officeDocument/2006/relationships" xmlns:p="http://schemas.openxmlformats.org/presentationml/2006/main">
+  <p:cSld>
+    <p:bg>
+      <p:bgPr>
+        <a:solidFill>
+          <a:schemeClr val="tx2">
+            <a:alpha val="20000"/>
+          </a:schemeClr>
+        </a:solidFill>
+        <a:effectLst/>
+      </p:bgPr>
+    </p:bg>
+    <p:spTree>
+      <p:nvGrpSpPr>
+        <p:cNvPr id="1" name=""/>
+        <p:cNvGrpSpPr/>
+        <p:nvPr/>
+      </p:nvGrpSpPr>
+      <p:grpSpPr>
+        <a:xfrm>
+          <a:off x="0" y="0"/>
+          <a:ext cx="0" cy="0"/>
+          <a:chOff x="0" y="0"/>
+          <a:chExt cx="0" cy="0"/>
+        </a:xfrm>
+      </p:grpSpPr>
+      <p:sp>
+        <p:nvSpPr>
+          <p:cNvPr id="2" name="Titre 1"/>
+          <p:cNvSpPr>
+            <a:spLocks noGrp="1"/>
+          </p:cNvSpPr>
+          <p:nvPr>
+            <p:ph type="title"/>
+          </p:nvPr>
+        </p:nvSpPr>
+        <p:spPr/>
+        <p:txBody>
+          <a:bodyPr>
+            <a:normAutofit/>
+          </a:bodyPr>
+          <a:lstStyle/>
+          <a:p>
+            <a:r>
+              <a:rPr lang="fr-FR" dirty="0" err="1" smtClean="0">
+                <a:latin typeface="Kozuka Gothic Pr6N L" pitchFamily="34" charset="-128"/>
+                <a:ea typeface="Kozuka Gothic Pr6N L" pitchFamily="34" charset="-128"/>
+              </a:rPr>
+              <a:t>Recettage</a:t>
+            </a:r>
+            <a:endParaRPr lang="fr-FR" dirty="0">
+              <a:latin typeface="Kozuka Gothic Pr6N L" pitchFamily="34" charset="-128"/>
+              <a:ea typeface="Kozuka Gothic Pr6N L" pitchFamily="34" charset="-128"/>
+            </a:endParaRPr>
+          </a:p>
+        </p:txBody>
+      </p:sp>
+      <p:sp>
+        <p:nvSpPr>
+          <p:cNvPr id="3" name="Espace réservé du contenu 2"/>
+          <p:cNvSpPr>
+            <a:spLocks noGrp="1"/>
+          </p:cNvSpPr>
+          <p:nvPr>
+            <p:ph idx="1"/>
+          </p:nvPr>
+        </p:nvSpPr>
+        <p:spPr/>
+        <p:txBody>
+          <a:bodyPr/>
+          <a:lstStyle/>
+          <a:p>
+            <a:endParaRPr lang="fr-FR" dirty="0">
+              <a:latin typeface="Kozuka Gothic Pr6N L" pitchFamily="34" charset="-128"/>
+              <a:ea typeface="Kozuka Gothic Pr6N L" pitchFamily="34" charset="-128"/>
+            </a:endParaRPr>
+          </a:p>
+        </p:txBody>
+      </p:sp>
+    </p:spTree>
+    <p:extLst>
+      <p:ext uri="{BB962C8B-B14F-4D97-AF65-F5344CB8AC3E}">
+        <p14:creationId xmlns:p14="http://schemas.microsoft.com/office/powerpoint/2010/main" val="1857661729"/>
+      </p:ext>
+    </p:extLst>
+  </p:cSld>
+  <p:clrMapOvr>
+    <a:masterClrMapping/>
+  </p:clrMapOvr>
+</p:sld>
+</file>
+
+<file path=ppt/slides/slide23.xml><?xml version="1.0" encoding="utf-8"?>
+<p:sld xmlns:a="http://schemas.openxmlformats.org/drawingml/2006/main" xmlns:r="http://schemas.openxmlformats.org/officeDocument/2006/relationships" xmlns:p="http://schemas.openxmlformats.org/presentationml/2006/main">
+  <p:cSld>
+    <p:bg>
+      <p:bgPr>
+        <a:solidFill>
+          <a:schemeClr val="tx2">
+            <a:alpha val="20000"/>
+          </a:schemeClr>
+        </a:solidFill>
+        <a:effectLst/>
+      </p:bgPr>
+    </p:bg>
+    <p:spTree>
+      <p:nvGrpSpPr>
+        <p:cNvPr id="1" name=""/>
+        <p:cNvGrpSpPr/>
+        <p:nvPr/>
+      </p:nvGrpSpPr>
+      <p:grpSpPr>
+        <a:xfrm>
+          <a:off x="0" y="0"/>
+          <a:ext cx="0" cy="0"/>
+          <a:chOff x="0" y="0"/>
+          <a:chExt cx="0" cy="0"/>
+        </a:xfrm>
+      </p:grpSpPr>
+      <p:sp>
+        <p:nvSpPr>
+          <p:cNvPr id="2" name="Titre 1"/>
+          <p:cNvSpPr>
+            <a:spLocks noGrp="1"/>
+          </p:cNvSpPr>
+          <p:nvPr>
+            <p:ph type="title"/>
+          </p:nvPr>
+        </p:nvSpPr>
+        <p:spPr/>
+        <p:txBody>
+          <a:bodyPr>
+            <a:normAutofit/>
+          </a:bodyPr>
+          <a:lstStyle/>
+          <a:p>
+            <a:r>
+              <a:rPr lang="fr-FR" dirty="0" smtClean="0">
+                <a:latin typeface="Kozuka Gothic Pr6N L" pitchFamily="34" charset="-128"/>
+                <a:ea typeface="Kozuka Gothic Pr6N L" pitchFamily="34" charset="-128"/>
+              </a:rPr>
+              <a:t>Formation utilisateur</a:t>
+            </a:r>
+            <a:endParaRPr lang="fr-FR" dirty="0">
+              <a:latin typeface="Kozuka Gothic Pr6N L" pitchFamily="34" charset="-128"/>
+              <a:ea typeface="Kozuka Gothic Pr6N L" pitchFamily="34" charset="-128"/>
+            </a:endParaRPr>
+          </a:p>
+        </p:txBody>
+      </p:sp>
+      <p:sp>
+        <p:nvSpPr>
+          <p:cNvPr id="3" name="Espace réservé du contenu 2"/>
+          <p:cNvSpPr>
+            <a:spLocks noGrp="1"/>
+          </p:cNvSpPr>
+          <p:nvPr>
+            <p:ph idx="1"/>
+          </p:nvPr>
+        </p:nvSpPr>
+        <p:spPr/>
+        <p:txBody>
+          <a:bodyPr/>
+          <a:lstStyle/>
+          <a:p>
+            <a:endParaRPr lang="fr-FR" dirty="0">
+              <a:latin typeface="Kozuka Gothic Pr6N L" pitchFamily="34" charset="-128"/>
+              <a:ea typeface="Kozuka Gothic Pr6N L" pitchFamily="34" charset="-128"/>
+            </a:endParaRPr>
+          </a:p>
+        </p:txBody>
+      </p:sp>
+    </p:spTree>
+    <p:extLst>
+      <p:ext uri="{BB962C8B-B14F-4D97-AF65-F5344CB8AC3E}">
+        <p14:creationId xmlns:p14="http://schemas.microsoft.com/office/powerpoint/2010/main" val="3366957813"/>
+      </p:ext>
+    </p:extLst>
+  </p:cSld>
+  <p:clrMapOvr>
+    <a:masterClrMapping/>
+  </p:clrMapOvr>
+</p:sld>
+</file>
+
+<file path=ppt/slides/slide24.xml><?xml version="1.0" encoding="utf-8"?>
 <p:sld xmlns:a="http://schemas.openxmlformats.org/drawingml/2006/main" xmlns:r="http://schemas.openxmlformats.org/officeDocument/2006/relationships" xmlns:p="http://schemas.openxmlformats.org/presentationml/2006/main">
   <p:cSld>
     <p:spTree>
@@ -6312,14 +6511,7 @@
                 <a:latin typeface="Kozuka Gothic Pr6N L" pitchFamily="34" charset="-128"/>
                 <a:ea typeface="Kozuka Gothic Pr6N L" pitchFamily="34" charset="-128"/>
               </a:rPr>
-              <a:t>Retour d’</a:t>
-            </a:r>
-            <a:r>
-              <a:rPr lang="fr-FR" dirty="0" err="1" smtClean="0">
-                <a:latin typeface="Kozuka Gothic Pr6N L" pitchFamily="34" charset="-128"/>
-                <a:ea typeface="Kozuka Gothic Pr6N L" pitchFamily="34" charset="-128"/>
-              </a:rPr>
-              <a:t>experience</a:t>
+              <a:t>La démo !</a:t>
             </a:r>
             <a:endParaRPr lang="fr-FR" dirty="0">
               <a:latin typeface="Kozuka Gothic Pr6N L" pitchFamily="34" charset="-128"/>
@@ -6353,7 +6545,7 @@
     </p:spTree>
     <p:extLst>
       <p:ext uri="{BB962C8B-B14F-4D97-AF65-F5344CB8AC3E}">
-        <p14:creationId xmlns:p14="http://schemas.microsoft.com/office/powerpoint/2010/main" val="1154055958"/>
+        <p14:creationId xmlns:p14="http://schemas.microsoft.com/office/powerpoint/2010/main" val="2063510916"/>
       </p:ext>
     </p:extLst>
   </p:cSld>
@@ -6363,7 +6555,7 @@
 </p:sld>
 </file>
 
-<file path=ppt/slides/slide23.xml><?xml version="1.0" encoding="utf-8"?>
+<file path=ppt/slides/slide25.xml><?xml version="1.0" encoding="utf-8"?>
 <p:sld xmlns:a="http://schemas.openxmlformats.org/drawingml/2006/main" xmlns:r="http://schemas.openxmlformats.org/officeDocument/2006/relationships" xmlns:p="http://schemas.openxmlformats.org/presentationml/2006/main">
   <p:cSld>
     <p:spTree>
@@ -6402,6 +6594,96 @@
                 <a:latin typeface="Kozuka Gothic Pr6N L" pitchFamily="34" charset="-128"/>
                 <a:ea typeface="Kozuka Gothic Pr6N L" pitchFamily="34" charset="-128"/>
               </a:rPr>
+              <a:t>Retour d’</a:t>
+            </a:r>
+            <a:r>
+              <a:rPr lang="fr-FR" dirty="0" err="1" smtClean="0">
+                <a:latin typeface="Kozuka Gothic Pr6N L" pitchFamily="34" charset="-128"/>
+                <a:ea typeface="Kozuka Gothic Pr6N L" pitchFamily="34" charset="-128"/>
+              </a:rPr>
+              <a:t>experience</a:t>
+            </a:r>
+            <a:endParaRPr lang="fr-FR" dirty="0">
+              <a:latin typeface="Kozuka Gothic Pr6N L" pitchFamily="34" charset="-128"/>
+              <a:ea typeface="Kozuka Gothic Pr6N L" pitchFamily="34" charset="-128"/>
+            </a:endParaRPr>
+          </a:p>
+        </p:txBody>
+      </p:sp>
+      <p:sp>
+        <p:nvSpPr>
+          <p:cNvPr id="3" name="Espace réservé du contenu 2"/>
+          <p:cNvSpPr>
+            <a:spLocks noGrp="1"/>
+          </p:cNvSpPr>
+          <p:nvPr>
+            <p:ph idx="1"/>
+          </p:nvPr>
+        </p:nvSpPr>
+        <p:spPr/>
+        <p:txBody>
+          <a:bodyPr/>
+          <a:lstStyle/>
+          <a:p>
+            <a:endParaRPr lang="fr-FR" dirty="0">
+              <a:latin typeface="Kozuka Gothic Pr6N L" pitchFamily="34" charset="-128"/>
+              <a:ea typeface="Kozuka Gothic Pr6N L" pitchFamily="34" charset="-128"/>
+            </a:endParaRPr>
+          </a:p>
+        </p:txBody>
+      </p:sp>
+    </p:spTree>
+    <p:extLst>
+      <p:ext uri="{BB962C8B-B14F-4D97-AF65-F5344CB8AC3E}">
+        <p14:creationId xmlns:p14="http://schemas.microsoft.com/office/powerpoint/2010/main" val="1154055958"/>
+      </p:ext>
+    </p:extLst>
+  </p:cSld>
+  <p:clrMapOvr>
+    <a:masterClrMapping/>
+  </p:clrMapOvr>
+</p:sld>
+</file>
+
+<file path=ppt/slides/slide26.xml><?xml version="1.0" encoding="utf-8"?>
+<p:sld xmlns:a="http://schemas.openxmlformats.org/drawingml/2006/main" xmlns:r="http://schemas.openxmlformats.org/officeDocument/2006/relationships" xmlns:p="http://schemas.openxmlformats.org/presentationml/2006/main">
+  <p:cSld>
+    <p:spTree>
+      <p:nvGrpSpPr>
+        <p:cNvPr id="1" name=""/>
+        <p:cNvGrpSpPr/>
+        <p:nvPr/>
+      </p:nvGrpSpPr>
+      <p:grpSpPr>
+        <a:xfrm>
+          <a:off x="0" y="0"/>
+          <a:ext cx="0" cy="0"/>
+          <a:chOff x="0" y="0"/>
+          <a:chExt cx="0" cy="0"/>
+        </a:xfrm>
+      </p:grpSpPr>
+      <p:sp>
+        <p:nvSpPr>
+          <p:cNvPr id="2" name="Titre 1"/>
+          <p:cNvSpPr>
+            <a:spLocks noGrp="1"/>
+          </p:cNvSpPr>
+          <p:nvPr>
+            <p:ph type="title"/>
+          </p:nvPr>
+        </p:nvSpPr>
+        <p:spPr/>
+        <p:txBody>
+          <a:bodyPr>
+            <a:normAutofit/>
+          </a:bodyPr>
+          <a:lstStyle/>
+          <a:p>
+            <a:r>
+              <a:rPr lang="fr-FR" dirty="0" smtClean="0">
+                <a:latin typeface="Kozuka Gothic Pr6N L" pitchFamily="34" charset="-128"/>
+                <a:ea typeface="Kozuka Gothic Pr6N L" pitchFamily="34" charset="-128"/>
+              </a:rPr>
               <a:t>Conclusion</a:t>
             </a:r>
             <a:endParaRPr lang="fr-FR" dirty="0">
@@ -6446,7 +6728,7 @@
 </p:sld>
 </file>
 
-<file path=ppt/slides/slide24.xml><?xml version="1.0" encoding="utf-8"?>
+<file path=ppt/slides/slide27.xml><?xml version="1.0" encoding="utf-8"?>
 <p:sld xmlns:a="http://schemas.openxmlformats.org/drawingml/2006/main" xmlns:r="http://schemas.openxmlformats.org/officeDocument/2006/relationships" xmlns:p="http://schemas.openxmlformats.org/presentationml/2006/main">
   <p:cSld>
     <p:spTree>
@@ -6599,13 +6881,92 @@
         </p:nvSpPr>
         <p:spPr/>
         <p:txBody>
-          <a:bodyPr/>
-          <a:lstStyle/>
-          <a:p>
-            <a:endParaRPr lang="fr-FR" dirty="0">
+          <a:bodyPr>
+            <a:normAutofit/>
+          </a:bodyPr>
+          <a:lstStyle/>
+          <a:p>
+            <a:pPr marL="0" indent="0">
+              <a:buNone/>
+            </a:pPr>
+            <a:endParaRPr lang="fr-FR" sz="2800" dirty="0" smtClean="0">
               <a:latin typeface="Kozuka Gothic Pr6N L" pitchFamily="34" charset="-128"/>
               <a:ea typeface="Kozuka Gothic Pr6N L" pitchFamily="34" charset="-128"/>
             </a:endParaRPr>
+          </a:p>
+          <a:p>
+            <a:pPr marL="0" indent="0">
+              <a:buNone/>
+            </a:pPr>
+            <a:r>
+              <a:rPr lang="fr-FR" sz="2800" dirty="0" smtClean="0">
+                <a:latin typeface="Kozuka Gothic Pr6N L" pitchFamily="34" charset="-128"/>
+                <a:ea typeface="Kozuka Gothic Pr6N L" pitchFamily="34" charset="-128"/>
+              </a:rPr>
+              <a:t>Evolution du système d’information Plast’Prod</a:t>
+            </a:r>
+          </a:p>
+          <a:p>
+            <a:pPr marL="0" indent="0">
+              <a:buNone/>
+            </a:pPr>
+            <a:endParaRPr lang="fr-FR" sz="2800" dirty="0">
+              <a:latin typeface="Kozuka Gothic Pr6N L" pitchFamily="34" charset="-128"/>
+              <a:ea typeface="Kozuka Gothic Pr6N L" pitchFamily="34" charset="-128"/>
+            </a:endParaRPr>
+          </a:p>
+          <a:p>
+            <a:r>
+              <a:rPr lang="fr-FR" sz="2000" dirty="0" smtClean="0">
+                <a:latin typeface="Kozuka Gothic Pr6N L" pitchFamily="34" charset="-128"/>
+                <a:ea typeface="Kozuka Gothic Pr6N L" pitchFamily="34" charset="-128"/>
+              </a:rPr>
+              <a:t>Quatre livrables sur deux ans :</a:t>
+            </a:r>
+          </a:p>
+          <a:p>
+            <a:pPr lvl="1"/>
+            <a:r>
+              <a:rPr lang="fr-FR" sz="1600" dirty="0" smtClean="0">
+                <a:latin typeface="Kozuka Gothic Pr6N L" pitchFamily="34" charset="-128"/>
+                <a:ea typeface="Kozuka Gothic Pr6N L" pitchFamily="34" charset="-128"/>
+              </a:rPr>
+              <a:t>Intranet et accès client internet</a:t>
+            </a:r>
+          </a:p>
+          <a:p>
+            <a:pPr lvl="1"/>
+            <a:r>
+              <a:rPr lang="fr-FR" sz="1600" dirty="0" smtClean="0">
+                <a:latin typeface="Kozuka Gothic Pr6N L" pitchFamily="34" charset="-128"/>
+                <a:ea typeface="Kozuka Gothic Pr6N L" pitchFamily="34" charset="-128"/>
+              </a:rPr>
+              <a:t>Client lourd pour les commerciaux</a:t>
+            </a:r>
+          </a:p>
+          <a:p>
+            <a:pPr lvl="1"/>
+            <a:r>
+              <a:rPr lang="fr-FR" sz="1600" dirty="0" smtClean="0">
+                <a:latin typeface="Kozuka Gothic Pr6N L" pitchFamily="34" charset="-128"/>
+                <a:ea typeface="Kozuka Gothic Pr6N L" pitchFamily="34" charset="-128"/>
+              </a:rPr>
+              <a:t>Mise en place de l’environnement de production</a:t>
+            </a:r>
+            <a:endParaRPr lang="fr-FR" sz="1600" dirty="0">
+              <a:latin typeface="Kozuka Gothic Pr6N L" pitchFamily="34" charset="-128"/>
+              <a:ea typeface="Kozuka Gothic Pr6N L" pitchFamily="34" charset="-128"/>
+            </a:endParaRPr>
+          </a:p>
+          <a:p>
+            <a:pPr lvl="1"/>
+            <a:r>
+              <a:rPr lang="fr-FR" sz="1600" dirty="0" smtClean="0">
+                <a:latin typeface="Kozuka Gothic Pr6N L" pitchFamily="34" charset="-128"/>
+                <a:ea typeface="Kozuka Gothic Pr6N L" pitchFamily="34" charset="-128"/>
+              </a:rPr>
+              <a:t>Accès mobile au suivi de la production</a:t>
+            </a:r>
           </a:p>
         </p:txBody>
       </p:sp>
@@ -6695,7 +7056,27 @@
           <a:bodyPr/>
           <a:lstStyle/>
           <a:p>
-            <a:endParaRPr lang="fr-FR" dirty="0">
+            <a:pPr marL="0" indent="0">
+              <a:buNone/>
+            </a:pPr>
+            <a:r>
+              <a:rPr lang="fr-FR" dirty="0" smtClean="0">
+                <a:latin typeface="Kozuka Gothic Pr6N L" pitchFamily="34" charset="-128"/>
+                <a:ea typeface="Kozuka Gothic Pr6N L" pitchFamily="34" charset="-128"/>
+              </a:rPr>
+              <a:t>Plast’Prod</a:t>
+            </a:r>
+          </a:p>
+          <a:p>
+            <a:pPr lvl="1"/>
+            <a:r>
+              <a:rPr lang="fr-FR" sz="2000" dirty="0" smtClean="0">
+                <a:latin typeface="Kozuka Gothic Pr6N L" pitchFamily="34" charset="-128"/>
+                <a:ea typeface="Kozuka Gothic Pr6N L" pitchFamily="34" charset="-128"/>
+              </a:rPr>
+              <a:t>Spécialiste haut normand de</a:t>
+            </a:r>
+            <a:endParaRPr lang="fr-FR" sz="2000" dirty="0">
               <a:latin typeface="Kozuka Gothic Pr6N L" pitchFamily="34" charset="-128"/>
               <a:ea typeface="Kozuka Gothic Pr6N L" pitchFamily="34" charset="-128"/>
             </a:endParaRPr>

--- a/AUTRES/DOC/Projet Plast’Prod.pptx
+++ b/AUTRES/DOC/Projet Plast’Prod.pptx
@@ -81,7 +81,7 @@
       </p:grpSpPr>
       <p:sp>
         <p:nvSpPr>
-          <p:cNvPr id="26" name="PlaceHolder 1"/>
+          <p:cNvPr id="23" name="PlaceHolder 1"/>
           <p:cNvSpPr>
             <a:spLocks noGrp="1"/>
           </p:cNvSpPr>
@@ -91,8 +91,8 @@
         </p:nvSpPr>
         <p:spPr>
           <a:xfrm>
-            <a:off x="457200" y="274680"/>
-            <a:ext cx="8229240" cy="1143000"/>
+            <a:off x="457200" y="273600"/>
+            <a:ext cx="8229240" cy="1145160"/>
           </a:xfrm>
           <a:prstGeom prst="rect">
             <a:avLst/>
@@ -101,13 +101,14 @@
         <p:txBody>
           <a:bodyPr anchor="ctr" bIns="0" lIns="0" rIns="0" tIns="0" wrap="none"/>
           <a:p>
-            <a:endParaRPr/>
-          </a:p>
-        </p:txBody>
-      </p:sp>
-      <p:sp>
-        <p:nvSpPr>
-          <p:cNvPr id="27" name="PlaceHolder 2"/>
+            <a:pPr algn="ctr"/>
+            <a:endParaRPr/>
+          </a:p>
+        </p:txBody>
+      </p:sp>
+      <p:sp>
+        <p:nvSpPr>
+          <p:cNvPr id="24" name="PlaceHolder 2"/>
           <p:cNvSpPr>
             <a:spLocks noGrp="1"/>
           </p:cNvSpPr>
@@ -117,8 +118,8 @@
         </p:nvSpPr>
         <p:spPr>
           <a:xfrm>
-            <a:off x="457200" y="1600200"/>
-            <a:ext cx="8229240" cy="2158200"/>
+            <a:off x="457200" y="1604520"/>
+            <a:ext cx="8046360" cy="1896840"/>
           </a:xfrm>
           <a:prstGeom prst="rect">
             <a:avLst/>
@@ -133,7 +134,7 @@
       </p:sp>
       <p:sp>
         <p:nvSpPr>
-          <p:cNvPr id="28" name="PlaceHolder 3"/>
+          <p:cNvPr id="25" name="PlaceHolder 3"/>
           <p:cNvSpPr>
             <a:spLocks noGrp="1"/>
           </p:cNvSpPr>
@@ -143,8 +144,8 @@
         </p:nvSpPr>
         <p:spPr>
           <a:xfrm>
-            <a:off x="457200" y="3963600"/>
-            <a:ext cx="8229240" cy="2158200"/>
+            <a:off x="457200" y="3681720"/>
+            <a:ext cx="8046360" cy="1896840"/>
           </a:xfrm>
           <a:prstGeom prst="rect">
             <a:avLst/>
@@ -181,7 +182,7 @@
       </p:grpSpPr>
       <p:sp>
         <p:nvSpPr>
-          <p:cNvPr id="29" name="PlaceHolder 1"/>
+          <p:cNvPr id="26" name="PlaceHolder 1"/>
           <p:cNvSpPr>
             <a:spLocks noGrp="1"/>
           </p:cNvSpPr>
@@ -191,8 +192,8 @@
         </p:nvSpPr>
         <p:spPr>
           <a:xfrm>
-            <a:off x="457200" y="274680"/>
-            <a:ext cx="8229240" cy="1143000"/>
+            <a:off x="457200" y="273600"/>
+            <a:ext cx="8229240" cy="1145160"/>
           </a:xfrm>
           <a:prstGeom prst="rect">
             <a:avLst/>
@@ -201,13 +202,14 @@
         <p:txBody>
           <a:bodyPr anchor="ctr" bIns="0" lIns="0" rIns="0" tIns="0" wrap="none"/>
           <a:p>
-            <a:endParaRPr/>
-          </a:p>
-        </p:txBody>
-      </p:sp>
-      <p:sp>
-        <p:nvSpPr>
-          <p:cNvPr id="30" name="PlaceHolder 2"/>
+            <a:pPr algn="ctr"/>
+            <a:endParaRPr/>
+          </a:p>
+        </p:txBody>
+      </p:sp>
+      <p:sp>
+        <p:nvSpPr>
+          <p:cNvPr id="27" name="PlaceHolder 2"/>
           <p:cNvSpPr>
             <a:spLocks noGrp="1"/>
           </p:cNvSpPr>
@@ -217,8 +219,8 @@
         </p:nvSpPr>
         <p:spPr>
           <a:xfrm>
-            <a:off x="457200" y="1600200"/>
-            <a:ext cx="4015440" cy="2158200"/>
+            <a:off x="457200" y="1604520"/>
+            <a:ext cx="3926160" cy="1896840"/>
           </a:xfrm>
           <a:prstGeom prst="rect">
             <a:avLst/>
@@ -233,7 +235,7 @@
       </p:sp>
       <p:sp>
         <p:nvSpPr>
-          <p:cNvPr id="31" name="PlaceHolder 3"/>
+          <p:cNvPr id="28" name="PlaceHolder 3"/>
           <p:cNvSpPr>
             <a:spLocks noGrp="1"/>
           </p:cNvSpPr>
@@ -243,8 +245,8 @@
         </p:nvSpPr>
         <p:spPr>
           <a:xfrm>
-            <a:off x="4673520" y="1600200"/>
-            <a:ext cx="4015440" cy="2158200"/>
+            <a:off x="4579920" y="1604520"/>
+            <a:ext cx="3926160" cy="1896840"/>
           </a:xfrm>
           <a:prstGeom prst="rect">
             <a:avLst/>
@@ -259,7 +261,7 @@
       </p:sp>
       <p:sp>
         <p:nvSpPr>
-          <p:cNvPr id="32" name="PlaceHolder 4"/>
+          <p:cNvPr id="29" name="PlaceHolder 4"/>
           <p:cNvSpPr>
             <a:spLocks noGrp="1"/>
           </p:cNvSpPr>
@@ -269,8 +271,8 @@
         </p:nvSpPr>
         <p:spPr>
           <a:xfrm>
-            <a:off x="4673520" y="3963600"/>
-            <a:ext cx="4015440" cy="2158200"/>
+            <a:off x="4579920" y="3681720"/>
+            <a:ext cx="3926160" cy="1896840"/>
           </a:xfrm>
           <a:prstGeom prst="rect">
             <a:avLst/>
@@ -285,7 +287,7 @@
       </p:sp>
       <p:sp>
         <p:nvSpPr>
-          <p:cNvPr id="33" name="PlaceHolder 5"/>
+          <p:cNvPr id="30" name="PlaceHolder 5"/>
           <p:cNvSpPr>
             <a:spLocks noGrp="1"/>
           </p:cNvSpPr>
@@ -295,8 +297,8 @@
         </p:nvSpPr>
         <p:spPr>
           <a:xfrm>
-            <a:off x="457200" y="3963600"/>
-            <a:ext cx="4015440" cy="2158200"/>
+            <a:off x="457200" y="3681720"/>
+            <a:ext cx="3926160" cy="1896840"/>
           </a:xfrm>
           <a:prstGeom prst="rect">
             <a:avLst/>
@@ -333,7 +335,7 @@
       </p:grpSpPr>
       <p:sp>
         <p:nvSpPr>
-          <p:cNvPr id="34" name="PlaceHolder 1"/>
+          <p:cNvPr id="31" name="PlaceHolder 1"/>
           <p:cNvSpPr>
             <a:spLocks noGrp="1"/>
           </p:cNvSpPr>
@@ -343,8 +345,8 @@
         </p:nvSpPr>
         <p:spPr>
           <a:xfrm>
-            <a:off x="457200" y="274680"/>
-            <a:ext cx="8229240" cy="1143000"/>
+            <a:off x="457200" y="273600"/>
+            <a:ext cx="8229240" cy="1145160"/>
           </a:xfrm>
           <a:prstGeom prst="rect">
             <a:avLst/>
@@ -353,13 +355,14 @@
         <p:txBody>
           <a:bodyPr anchor="ctr" bIns="0" lIns="0" rIns="0" tIns="0" wrap="none"/>
           <a:p>
-            <a:endParaRPr/>
-          </a:p>
-        </p:txBody>
-      </p:sp>
-      <p:sp>
-        <p:nvSpPr>
-          <p:cNvPr id="35" name="PlaceHolder 2"/>
+            <a:pPr algn="ctr"/>
+            <a:endParaRPr/>
+          </a:p>
+        </p:txBody>
+      </p:sp>
+      <p:sp>
+        <p:nvSpPr>
+          <p:cNvPr id="32" name="PlaceHolder 2"/>
           <p:cNvSpPr>
             <a:spLocks noGrp="1"/>
           </p:cNvSpPr>
@@ -369,8 +372,8 @@
         </p:nvSpPr>
         <p:spPr>
           <a:xfrm>
-            <a:off x="457200" y="1600200"/>
-            <a:ext cx="4015440" cy="2158200"/>
+            <a:off x="457200" y="1604520"/>
+            <a:ext cx="3926160" cy="1896840"/>
           </a:xfrm>
           <a:prstGeom prst="rect">
             <a:avLst/>
@@ -385,7 +388,7 @@
       </p:sp>
       <p:sp>
         <p:nvSpPr>
-          <p:cNvPr id="36" name="PlaceHolder 3"/>
+          <p:cNvPr id="33" name="PlaceHolder 3"/>
           <p:cNvSpPr>
             <a:spLocks noGrp="1"/>
           </p:cNvSpPr>
@@ -395,8 +398,8 @@
         </p:nvSpPr>
         <p:spPr>
           <a:xfrm>
-            <a:off x="4673520" y="1600200"/>
-            <a:ext cx="4015440" cy="2158200"/>
+            <a:off x="4579920" y="1604520"/>
+            <a:ext cx="3926160" cy="1896840"/>
           </a:xfrm>
           <a:prstGeom prst="rect">
             <a:avLst/>
@@ -455,7 +458,7 @@
       </p:grpSpPr>
       <p:sp>
         <p:nvSpPr>
-          <p:cNvPr id="42" name="PlaceHolder 1"/>
+          <p:cNvPr id="36" name="PlaceHolder 1"/>
           <p:cNvSpPr>
             <a:spLocks noGrp="1"/>
           </p:cNvSpPr>
@@ -465,8 +468,8 @@
         </p:nvSpPr>
         <p:spPr>
           <a:xfrm>
-            <a:off x="457200" y="274680"/>
-            <a:ext cx="8229240" cy="1143000"/>
+            <a:off x="457200" y="273600"/>
+            <a:ext cx="8229240" cy="1145160"/>
           </a:xfrm>
           <a:prstGeom prst="rect">
             <a:avLst/>
@@ -475,13 +478,14 @@
         <p:txBody>
           <a:bodyPr anchor="ctr" bIns="0" lIns="0" rIns="0" tIns="0" wrap="none"/>
           <a:p>
-            <a:endParaRPr/>
-          </a:p>
-        </p:txBody>
-      </p:sp>
-      <p:sp>
-        <p:nvSpPr>
-          <p:cNvPr id="43" name="PlaceHolder 2"/>
+            <a:pPr algn="ctr"/>
+            <a:endParaRPr/>
+          </a:p>
+        </p:txBody>
+      </p:sp>
+      <p:sp>
+        <p:nvSpPr>
+          <p:cNvPr id="37" name="PlaceHolder 2"/>
           <p:cNvSpPr>
             <a:spLocks noGrp="1"/>
           </p:cNvSpPr>
@@ -491,8 +495,8 @@
         </p:nvSpPr>
         <p:spPr>
           <a:xfrm>
-            <a:off x="457200" y="1600200"/>
-            <a:ext cx="8229240" cy="4525920"/>
+            <a:off x="457200" y="1604520"/>
+            <a:ext cx="8046360" cy="3977640"/>
           </a:xfrm>
           <a:prstGeom prst="rect">
             <a:avLst/>
@@ -530,7 +534,7 @@
       </p:grpSpPr>
       <p:sp>
         <p:nvSpPr>
-          <p:cNvPr id="44" name="PlaceHolder 1"/>
+          <p:cNvPr id="38" name="PlaceHolder 1"/>
           <p:cNvSpPr>
             <a:spLocks noGrp="1"/>
           </p:cNvSpPr>
@@ -540,8 +544,8 @@
         </p:nvSpPr>
         <p:spPr>
           <a:xfrm>
-            <a:off x="457200" y="274680"/>
-            <a:ext cx="8229240" cy="1143000"/>
+            <a:off x="457200" y="273600"/>
+            <a:ext cx="8229240" cy="1145160"/>
           </a:xfrm>
           <a:prstGeom prst="rect">
             <a:avLst/>
@@ -550,13 +554,14 @@
         <p:txBody>
           <a:bodyPr anchor="ctr" bIns="0" lIns="0" rIns="0" tIns="0" wrap="none"/>
           <a:p>
-            <a:endParaRPr/>
-          </a:p>
-        </p:txBody>
-      </p:sp>
-      <p:sp>
-        <p:nvSpPr>
-          <p:cNvPr id="45" name="PlaceHolder 2"/>
+            <a:pPr algn="ctr"/>
+            <a:endParaRPr/>
+          </a:p>
+        </p:txBody>
+      </p:sp>
+      <p:sp>
+        <p:nvSpPr>
+          <p:cNvPr id="39" name="PlaceHolder 2"/>
           <p:cNvSpPr>
             <a:spLocks noGrp="1"/>
           </p:cNvSpPr>
@@ -566,8 +571,8 @@
         </p:nvSpPr>
         <p:spPr>
           <a:xfrm>
-            <a:off x="457200" y="1600200"/>
-            <a:ext cx="8229240" cy="4525560"/>
+            <a:off x="457200" y="1604520"/>
+            <a:ext cx="8046360" cy="3977280"/>
           </a:xfrm>
           <a:prstGeom prst="rect">
             <a:avLst/>
@@ -604,7 +609,7 @@
       </p:grpSpPr>
       <p:sp>
         <p:nvSpPr>
-          <p:cNvPr id="46" name="PlaceHolder 1"/>
+          <p:cNvPr id="40" name="PlaceHolder 1"/>
           <p:cNvSpPr>
             <a:spLocks noGrp="1"/>
           </p:cNvSpPr>
@@ -614,8 +619,8 @@
         </p:nvSpPr>
         <p:spPr>
           <a:xfrm>
-            <a:off x="457200" y="274680"/>
-            <a:ext cx="8229240" cy="1143000"/>
+            <a:off x="457200" y="273600"/>
+            <a:ext cx="8229240" cy="1145160"/>
           </a:xfrm>
           <a:prstGeom prst="rect">
             <a:avLst/>
@@ -624,13 +629,14 @@
         <p:txBody>
           <a:bodyPr anchor="ctr" bIns="0" lIns="0" rIns="0" tIns="0" wrap="none"/>
           <a:p>
-            <a:endParaRPr/>
-          </a:p>
-        </p:txBody>
-      </p:sp>
-      <p:sp>
-        <p:nvSpPr>
-          <p:cNvPr id="47" name="PlaceHolder 2"/>
+            <a:pPr algn="ctr"/>
+            <a:endParaRPr/>
+          </a:p>
+        </p:txBody>
+      </p:sp>
+      <p:sp>
+        <p:nvSpPr>
+          <p:cNvPr id="41" name="PlaceHolder 2"/>
           <p:cNvSpPr>
             <a:spLocks noGrp="1"/>
           </p:cNvSpPr>
@@ -640,8 +646,8 @@
         </p:nvSpPr>
         <p:spPr>
           <a:xfrm>
-            <a:off x="457200" y="1600200"/>
-            <a:ext cx="4015440" cy="4525560"/>
+            <a:off x="457200" y="1604520"/>
+            <a:ext cx="3926160" cy="3977280"/>
           </a:xfrm>
           <a:prstGeom prst="rect">
             <a:avLst/>
@@ -656,7 +662,7 @@
       </p:sp>
       <p:sp>
         <p:nvSpPr>
-          <p:cNvPr id="48" name="PlaceHolder 3"/>
+          <p:cNvPr id="42" name="PlaceHolder 3"/>
           <p:cNvSpPr>
             <a:spLocks noGrp="1"/>
           </p:cNvSpPr>
@@ -666,8 +672,8 @@
         </p:nvSpPr>
         <p:spPr>
           <a:xfrm>
-            <a:off x="4673520" y="1600200"/>
-            <a:ext cx="4015440" cy="4525560"/>
+            <a:off x="4579920" y="1604520"/>
+            <a:ext cx="3926160" cy="3977280"/>
           </a:xfrm>
           <a:prstGeom prst="rect">
             <a:avLst/>
@@ -704,7 +710,7 @@
       </p:grpSpPr>
       <p:sp>
         <p:nvSpPr>
-          <p:cNvPr id="49" name="PlaceHolder 1"/>
+          <p:cNvPr id="43" name="PlaceHolder 1"/>
           <p:cNvSpPr>
             <a:spLocks noGrp="1"/>
           </p:cNvSpPr>
@@ -714,8 +720,8 @@
         </p:nvSpPr>
         <p:spPr>
           <a:xfrm>
-            <a:off x="457200" y="274680"/>
-            <a:ext cx="8229240" cy="1143000"/>
+            <a:off x="457200" y="273600"/>
+            <a:ext cx="8229240" cy="1145160"/>
           </a:xfrm>
           <a:prstGeom prst="rect">
             <a:avLst/>
@@ -724,6 +730,7 @@
         <p:txBody>
           <a:bodyPr anchor="ctr" bIns="0" lIns="0" rIns="0" tIns="0" wrap="none"/>
           <a:p>
+            <a:pPr algn="ctr"/>
             <a:endParaRPr/>
           </a:p>
         </p:txBody>
@@ -752,7 +759,7 @@
       </p:grpSpPr>
       <p:sp>
         <p:nvSpPr>
-          <p:cNvPr id="50" name="PlaceHolder 1"/>
+          <p:cNvPr id="44" name="PlaceHolder 1"/>
           <p:cNvSpPr>
             <a:spLocks noGrp="1"/>
           </p:cNvSpPr>
@@ -762,8 +769,8 @@
         </p:nvSpPr>
         <p:spPr>
           <a:xfrm>
-            <a:off x="457200" y="274680"/>
-            <a:ext cx="8229240" cy="5851080"/>
+            <a:off x="457200" y="273600"/>
+            <a:ext cx="8229240" cy="5308200"/>
           </a:xfrm>
           <a:prstGeom prst="rect">
             <a:avLst/>
@@ -801,7 +808,7 @@
       </p:grpSpPr>
       <p:sp>
         <p:nvSpPr>
-          <p:cNvPr id="51" name="PlaceHolder 1"/>
+          <p:cNvPr id="45" name="PlaceHolder 1"/>
           <p:cNvSpPr>
             <a:spLocks noGrp="1"/>
           </p:cNvSpPr>
@@ -811,8 +818,8 @@
         </p:nvSpPr>
         <p:spPr>
           <a:xfrm>
-            <a:off x="457200" y="274680"/>
-            <a:ext cx="8229240" cy="1143000"/>
+            <a:off x="457200" y="273600"/>
+            <a:ext cx="8229240" cy="1145160"/>
           </a:xfrm>
           <a:prstGeom prst="rect">
             <a:avLst/>
@@ -821,13 +828,14 @@
         <p:txBody>
           <a:bodyPr anchor="ctr" bIns="0" lIns="0" rIns="0" tIns="0" wrap="none"/>
           <a:p>
-            <a:endParaRPr/>
-          </a:p>
-        </p:txBody>
-      </p:sp>
-      <p:sp>
-        <p:nvSpPr>
-          <p:cNvPr id="52" name="PlaceHolder 2"/>
+            <a:pPr algn="ctr"/>
+            <a:endParaRPr/>
+          </a:p>
+        </p:txBody>
+      </p:sp>
+      <p:sp>
+        <p:nvSpPr>
+          <p:cNvPr id="46" name="PlaceHolder 2"/>
           <p:cNvSpPr>
             <a:spLocks noGrp="1"/>
           </p:cNvSpPr>
@@ -837,8 +845,8 @@
         </p:nvSpPr>
         <p:spPr>
           <a:xfrm>
-            <a:off x="457200" y="1600200"/>
-            <a:ext cx="4015440" cy="2158200"/>
+            <a:off x="457200" y="1604520"/>
+            <a:ext cx="3926160" cy="1896840"/>
           </a:xfrm>
           <a:prstGeom prst="rect">
             <a:avLst/>
@@ -853,7 +861,7 @@
       </p:sp>
       <p:sp>
         <p:nvSpPr>
-          <p:cNvPr id="53" name="PlaceHolder 3"/>
+          <p:cNvPr id="47" name="PlaceHolder 3"/>
           <p:cNvSpPr>
             <a:spLocks noGrp="1"/>
           </p:cNvSpPr>
@@ -863,8 +871,8 @@
         </p:nvSpPr>
         <p:spPr>
           <a:xfrm>
-            <a:off x="457200" y="3963600"/>
-            <a:ext cx="4015440" cy="2158200"/>
+            <a:off x="457200" y="3681720"/>
+            <a:ext cx="3926160" cy="1896840"/>
           </a:xfrm>
           <a:prstGeom prst="rect">
             <a:avLst/>
@@ -879,7 +887,7 @@
       </p:sp>
       <p:sp>
         <p:nvSpPr>
-          <p:cNvPr id="54" name="PlaceHolder 4"/>
+          <p:cNvPr id="48" name="PlaceHolder 4"/>
           <p:cNvSpPr>
             <a:spLocks noGrp="1"/>
           </p:cNvSpPr>
@@ -889,8 +897,8 @@
         </p:nvSpPr>
         <p:spPr>
           <a:xfrm>
-            <a:off x="4673520" y="1600200"/>
-            <a:ext cx="4015440" cy="4525560"/>
+            <a:off x="4579920" y="1604520"/>
+            <a:ext cx="3926160" cy="3977280"/>
           </a:xfrm>
           <a:prstGeom prst="rect">
             <a:avLst/>
@@ -927,7 +935,7 @@
       </p:grpSpPr>
       <p:sp>
         <p:nvSpPr>
-          <p:cNvPr id="5" name="PlaceHolder 1"/>
+          <p:cNvPr id="2" name="PlaceHolder 1"/>
           <p:cNvSpPr>
             <a:spLocks noGrp="1"/>
           </p:cNvSpPr>
@@ -937,8 +945,8 @@
         </p:nvSpPr>
         <p:spPr>
           <a:xfrm>
-            <a:off x="457200" y="274680"/>
-            <a:ext cx="8229240" cy="1143000"/>
+            <a:off x="457200" y="273600"/>
+            <a:ext cx="8229240" cy="1145160"/>
           </a:xfrm>
           <a:prstGeom prst="rect">
             <a:avLst/>
@@ -947,13 +955,14 @@
         <p:txBody>
           <a:bodyPr anchor="ctr" bIns="0" lIns="0" rIns="0" tIns="0" wrap="none"/>
           <a:p>
-            <a:endParaRPr/>
-          </a:p>
-        </p:txBody>
-      </p:sp>
-      <p:sp>
-        <p:nvSpPr>
-          <p:cNvPr id="6" name="PlaceHolder 2"/>
+            <a:pPr algn="ctr"/>
+            <a:endParaRPr/>
+          </a:p>
+        </p:txBody>
+      </p:sp>
+      <p:sp>
+        <p:nvSpPr>
+          <p:cNvPr id="3" name="PlaceHolder 2"/>
           <p:cNvSpPr>
             <a:spLocks noGrp="1"/>
           </p:cNvSpPr>
@@ -963,8 +972,8 @@
         </p:nvSpPr>
         <p:spPr>
           <a:xfrm>
-            <a:off x="457200" y="1600200"/>
-            <a:ext cx="8229240" cy="4525920"/>
+            <a:off x="457200" y="1604520"/>
+            <a:ext cx="8046360" cy="3977640"/>
           </a:xfrm>
           <a:prstGeom prst="rect">
             <a:avLst/>
@@ -1002,7 +1011,7 @@
       </p:grpSpPr>
       <p:sp>
         <p:nvSpPr>
-          <p:cNvPr id="55" name="PlaceHolder 1"/>
+          <p:cNvPr id="49" name="PlaceHolder 1"/>
           <p:cNvSpPr>
             <a:spLocks noGrp="1"/>
           </p:cNvSpPr>
@@ -1012,8 +1021,8 @@
         </p:nvSpPr>
         <p:spPr>
           <a:xfrm>
-            <a:off x="457200" y="274680"/>
-            <a:ext cx="8229240" cy="1143000"/>
+            <a:off x="457200" y="273600"/>
+            <a:ext cx="8229240" cy="1145160"/>
           </a:xfrm>
           <a:prstGeom prst="rect">
             <a:avLst/>
@@ -1022,13 +1031,14 @@
         <p:txBody>
           <a:bodyPr anchor="ctr" bIns="0" lIns="0" rIns="0" tIns="0" wrap="none"/>
           <a:p>
-            <a:endParaRPr/>
-          </a:p>
-        </p:txBody>
-      </p:sp>
-      <p:sp>
-        <p:nvSpPr>
-          <p:cNvPr id="56" name="PlaceHolder 2"/>
+            <a:pPr algn="ctr"/>
+            <a:endParaRPr/>
+          </a:p>
+        </p:txBody>
+      </p:sp>
+      <p:sp>
+        <p:nvSpPr>
+          <p:cNvPr id="50" name="PlaceHolder 2"/>
           <p:cNvSpPr>
             <a:spLocks noGrp="1"/>
           </p:cNvSpPr>
@@ -1038,8 +1048,8 @@
         </p:nvSpPr>
         <p:spPr>
           <a:xfrm>
-            <a:off x="457200" y="1600200"/>
-            <a:ext cx="4015440" cy="4525560"/>
+            <a:off x="457200" y="1604520"/>
+            <a:ext cx="3926160" cy="3977280"/>
           </a:xfrm>
           <a:prstGeom prst="rect">
             <a:avLst/>
@@ -1054,7 +1064,7 @@
       </p:sp>
       <p:sp>
         <p:nvSpPr>
-          <p:cNvPr id="57" name="PlaceHolder 3"/>
+          <p:cNvPr id="51" name="PlaceHolder 3"/>
           <p:cNvSpPr>
             <a:spLocks noGrp="1"/>
           </p:cNvSpPr>
@@ -1064,8 +1074,8 @@
         </p:nvSpPr>
         <p:spPr>
           <a:xfrm>
-            <a:off x="4673520" y="1600200"/>
-            <a:ext cx="4015440" cy="2158200"/>
+            <a:off x="4579920" y="1604520"/>
+            <a:ext cx="3926160" cy="1896840"/>
           </a:xfrm>
           <a:prstGeom prst="rect">
             <a:avLst/>
@@ -1080,7 +1090,7 @@
       </p:sp>
       <p:sp>
         <p:nvSpPr>
-          <p:cNvPr id="58" name="PlaceHolder 4"/>
+          <p:cNvPr id="52" name="PlaceHolder 4"/>
           <p:cNvSpPr>
             <a:spLocks noGrp="1"/>
           </p:cNvSpPr>
@@ -1090,8 +1100,8 @@
         </p:nvSpPr>
         <p:spPr>
           <a:xfrm>
-            <a:off x="4673520" y="3963600"/>
-            <a:ext cx="4015440" cy="2158200"/>
+            <a:off x="4579920" y="3681720"/>
+            <a:ext cx="3926160" cy="1896840"/>
           </a:xfrm>
           <a:prstGeom prst="rect">
             <a:avLst/>
@@ -1128,7 +1138,7 @@
       </p:grpSpPr>
       <p:sp>
         <p:nvSpPr>
-          <p:cNvPr id="59" name="PlaceHolder 1"/>
+          <p:cNvPr id="53" name="PlaceHolder 1"/>
           <p:cNvSpPr>
             <a:spLocks noGrp="1"/>
           </p:cNvSpPr>
@@ -1138,8 +1148,8 @@
         </p:nvSpPr>
         <p:spPr>
           <a:xfrm>
-            <a:off x="457200" y="274680"/>
-            <a:ext cx="8229240" cy="1143000"/>
+            <a:off x="457200" y="273600"/>
+            <a:ext cx="8229240" cy="1145160"/>
           </a:xfrm>
           <a:prstGeom prst="rect">
             <a:avLst/>
@@ -1148,13 +1158,14 @@
         <p:txBody>
           <a:bodyPr anchor="ctr" bIns="0" lIns="0" rIns="0" tIns="0" wrap="none"/>
           <a:p>
-            <a:endParaRPr/>
-          </a:p>
-        </p:txBody>
-      </p:sp>
-      <p:sp>
-        <p:nvSpPr>
-          <p:cNvPr id="60" name="PlaceHolder 2"/>
+            <a:pPr algn="ctr"/>
+            <a:endParaRPr/>
+          </a:p>
+        </p:txBody>
+      </p:sp>
+      <p:sp>
+        <p:nvSpPr>
+          <p:cNvPr id="54" name="PlaceHolder 2"/>
           <p:cNvSpPr>
             <a:spLocks noGrp="1"/>
           </p:cNvSpPr>
@@ -1164,8 +1175,8 @@
         </p:nvSpPr>
         <p:spPr>
           <a:xfrm>
-            <a:off x="457200" y="1600200"/>
-            <a:ext cx="4015440" cy="2158200"/>
+            <a:off x="457200" y="1604520"/>
+            <a:ext cx="3926160" cy="1896840"/>
           </a:xfrm>
           <a:prstGeom prst="rect">
             <a:avLst/>
@@ -1180,7 +1191,7 @@
       </p:sp>
       <p:sp>
         <p:nvSpPr>
-          <p:cNvPr id="61" name="PlaceHolder 3"/>
+          <p:cNvPr id="55" name="PlaceHolder 3"/>
           <p:cNvSpPr>
             <a:spLocks noGrp="1"/>
           </p:cNvSpPr>
@@ -1190,8 +1201,8 @@
         </p:nvSpPr>
         <p:spPr>
           <a:xfrm>
-            <a:off x="4673520" y="1600200"/>
-            <a:ext cx="4015440" cy="2158200"/>
+            <a:off x="4579920" y="1604520"/>
+            <a:ext cx="3926160" cy="1896840"/>
           </a:xfrm>
           <a:prstGeom prst="rect">
             <a:avLst/>
@@ -1206,7 +1217,7 @@
       </p:sp>
       <p:sp>
         <p:nvSpPr>
-          <p:cNvPr id="62" name="PlaceHolder 4"/>
+          <p:cNvPr id="56" name="PlaceHolder 4"/>
           <p:cNvSpPr>
             <a:spLocks noGrp="1"/>
           </p:cNvSpPr>
@@ -1216,8 +1227,8 @@
         </p:nvSpPr>
         <p:spPr>
           <a:xfrm>
-            <a:off x="457200" y="3963600"/>
-            <a:ext cx="8228520" cy="2158200"/>
+            <a:off x="457200" y="3681720"/>
+            <a:ext cx="8045640" cy="1896840"/>
           </a:xfrm>
           <a:prstGeom prst="rect">
             <a:avLst/>
@@ -1254,7 +1265,7 @@
       </p:grpSpPr>
       <p:sp>
         <p:nvSpPr>
-          <p:cNvPr id="63" name="PlaceHolder 1"/>
+          <p:cNvPr id="57" name="PlaceHolder 1"/>
           <p:cNvSpPr>
             <a:spLocks noGrp="1"/>
           </p:cNvSpPr>
@@ -1264,8 +1275,8 @@
         </p:nvSpPr>
         <p:spPr>
           <a:xfrm>
-            <a:off x="457200" y="274680"/>
-            <a:ext cx="8229240" cy="1143000"/>
+            <a:off x="457200" y="273600"/>
+            <a:ext cx="8229240" cy="1145160"/>
           </a:xfrm>
           <a:prstGeom prst="rect">
             <a:avLst/>
@@ -1274,13 +1285,14 @@
         <p:txBody>
           <a:bodyPr anchor="ctr" bIns="0" lIns="0" rIns="0" tIns="0" wrap="none"/>
           <a:p>
-            <a:endParaRPr/>
-          </a:p>
-        </p:txBody>
-      </p:sp>
-      <p:sp>
-        <p:nvSpPr>
-          <p:cNvPr id="64" name="PlaceHolder 2"/>
+            <a:pPr algn="ctr"/>
+            <a:endParaRPr/>
+          </a:p>
+        </p:txBody>
+      </p:sp>
+      <p:sp>
+        <p:nvSpPr>
+          <p:cNvPr id="58" name="PlaceHolder 2"/>
           <p:cNvSpPr>
             <a:spLocks noGrp="1"/>
           </p:cNvSpPr>
@@ -1290,8 +1302,8 @@
         </p:nvSpPr>
         <p:spPr>
           <a:xfrm>
-            <a:off x="457200" y="1600200"/>
-            <a:ext cx="8229240" cy="2158200"/>
+            <a:off x="457200" y="1604520"/>
+            <a:ext cx="8046360" cy="1896840"/>
           </a:xfrm>
           <a:prstGeom prst="rect">
             <a:avLst/>
@@ -1306,7 +1318,7 @@
       </p:sp>
       <p:sp>
         <p:nvSpPr>
-          <p:cNvPr id="65" name="PlaceHolder 3"/>
+          <p:cNvPr id="59" name="PlaceHolder 3"/>
           <p:cNvSpPr>
             <a:spLocks noGrp="1"/>
           </p:cNvSpPr>
@@ -1316,8 +1328,8 @@
         </p:nvSpPr>
         <p:spPr>
           <a:xfrm>
-            <a:off x="457200" y="3963600"/>
-            <a:ext cx="8229240" cy="2158200"/>
+            <a:off x="457200" y="3681720"/>
+            <a:ext cx="8046360" cy="1896840"/>
           </a:xfrm>
           <a:prstGeom prst="rect">
             <a:avLst/>
@@ -1354,7 +1366,7 @@
       </p:grpSpPr>
       <p:sp>
         <p:nvSpPr>
-          <p:cNvPr id="66" name="PlaceHolder 1"/>
+          <p:cNvPr id="60" name="PlaceHolder 1"/>
           <p:cNvSpPr>
             <a:spLocks noGrp="1"/>
           </p:cNvSpPr>
@@ -1364,8 +1376,8 @@
         </p:nvSpPr>
         <p:spPr>
           <a:xfrm>
-            <a:off x="457200" y="274680"/>
-            <a:ext cx="8229240" cy="1143000"/>
+            <a:off x="457200" y="273600"/>
+            <a:ext cx="8229240" cy="1145160"/>
           </a:xfrm>
           <a:prstGeom prst="rect">
             <a:avLst/>
@@ -1374,13 +1386,14 @@
         <p:txBody>
           <a:bodyPr anchor="ctr" bIns="0" lIns="0" rIns="0" tIns="0" wrap="none"/>
           <a:p>
-            <a:endParaRPr/>
-          </a:p>
-        </p:txBody>
-      </p:sp>
-      <p:sp>
-        <p:nvSpPr>
-          <p:cNvPr id="67" name="PlaceHolder 2"/>
+            <a:pPr algn="ctr"/>
+            <a:endParaRPr/>
+          </a:p>
+        </p:txBody>
+      </p:sp>
+      <p:sp>
+        <p:nvSpPr>
+          <p:cNvPr id="61" name="PlaceHolder 2"/>
           <p:cNvSpPr>
             <a:spLocks noGrp="1"/>
           </p:cNvSpPr>
@@ -1390,8 +1403,8 @@
         </p:nvSpPr>
         <p:spPr>
           <a:xfrm>
-            <a:off x="457200" y="1600200"/>
-            <a:ext cx="4015440" cy="2158200"/>
+            <a:off x="457200" y="1604520"/>
+            <a:ext cx="3926160" cy="1896840"/>
           </a:xfrm>
           <a:prstGeom prst="rect">
             <a:avLst/>
@@ -1406,7 +1419,7 @@
       </p:sp>
       <p:sp>
         <p:nvSpPr>
-          <p:cNvPr id="68" name="PlaceHolder 3"/>
+          <p:cNvPr id="62" name="PlaceHolder 3"/>
           <p:cNvSpPr>
             <a:spLocks noGrp="1"/>
           </p:cNvSpPr>
@@ -1416,8 +1429,8 @@
         </p:nvSpPr>
         <p:spPr>
           <a:xfrm>
-            <a:off x="4673520" y="1600200"/>
-            <a:ext cx="4015440" cy="2158200"/>
+            <a:off x="4579920" y="1604520"/>
+            <a:ext cx="3926160" cy="1896840"/>
           </a:xfrm>
           <a:prstGeom prst="rect">
             <a:avLst/>
@@ -1432,7 +1445,7 @@
       </p:sp>
       <p:sp>
         <p:nvSpPr>
-          <p:cNvPr id="69" name="PlaceHolder 4"/>
+          <p:cNvPr id="63" name="PlaceHolder 4"/>
           <p:cNvSpPr>
             <a:spLocks noGrp="1"/>
           </p:cNvSpPr>
@@ -1442,8 +1455,8 @@
         </p:nvSpPr>
         <p:spPr>
           <a:xfrm>
-            <a:off x="4673520" y="3963600"/>
-            <a:ext cx="4015440" cy="2158200"/>
+            <a:off x="4579920" y="3681720"/>
+            <a:ext cx="3926160" cy="1896840"/>
           </a:xfrm>
           <a:prstGeom prst="rect">
             <a:avLst/>
@@ -1458,7 +1471,7 @@
       </p:sp>
       <p:sp>
         <p:nvSpPr>
-          <p:cNvPr id="70" name="PlaceHolder 5"/>
+          <p:cNvPr id="64" name="PlaceHolder 5"/>
           <p:cNvSpPr>
             <a:spLocks noGrp="1"/>
           </p:cNvSpPr>
@@ -1468,8 +1481,8 @@
         </p:nvSpPr>
         <p:spPr>
           <a:xfrm>
-            <a:off x="457200" y="3963600"/>
-            <a:ext cx="4015440" cy="2158200"/>
+            <a:off x="457200" y="3681720"/>
+            <a:ext cx="3926160" cy="1896840"/>
           </a:xfrm>
           <a:prstGeom prst="rect">
             <a:avLst/>
@@ -1506,7 +1519,7 @@
       </p:grpSpPr>
       <p:sp>
         <p:nvSpPr>
-          <p:cNvPr id="71" name="PlaceHolder 1"/>
+          <p:cNvPr id="65" name="PlaceHolder 1"/>
           <p:cNvSpPr>
             <a:spLocks noGrp="1"/>
           </p:cNvSpPr>
@@ -1516,8 +1529,8 @@
         </p:nvSpPr>
         <p:spPr>
           <a:xfrm>
-            <a:off x="457200" y="274680"/>
-            <a:ext cx="8229240" cy="1143000"/>
+            <a:off x="457200" y="273600"/>
+            <a:ext cx="8229240" cy="1145160"/>
           </a:xfrm>
           <a:prstGeom prst="rect">
             <a:avLst/>
@@ -1526,13 +1539,14 @@
         <p:txBody>
           <a:bodyPr anchor="ctr" bIns="0" lIns="0" rIns="0" tIns="0" wrap="none"/>
           <a:p>
-            <a:endParaRPr/>
-          </a:p>
-        </p:txBody>
-      </p:sp>
-      <p:sp>
-        <p:nvSpPr>
-          <p:cNvPr id="72" name="PlaceHolder 2"/>
+            <a:pPr algn="ctr"/>
+            <a:endParaRPr/>
+          </a:p>
+        </p:txBody>
+      </p:sp>
+      <p:sp>
+        <p:nvSpPr>
+          <p:cNvPr id="66" name="PlaceHolder 2"/>
           <p:cNvSpPr>
             <a:spLocks noGrp="1"/>
           </p:cNvSpPr>
@@ -1542,8 +1556,8 @@
         </p:nvSpPr>
         <p:spPr>
           <a:xfrm>
-            <a:off x="457200" y="1600200"/>
-            <a:ext cx="4015440" cy="2158200"/>
+            <a:off x="457200" y="1604520"/>
+            <a:ext cx="3926160" cy="1896840"/>
           </a:xfrm>
           <a:prstGeom prst="rect">
             <a:avLst/>
@@ -1558,7 +1572,7 @@
       </p:sp>
       <p:sp>
         <p:nvSpPr>
-          <p:cNvPr id="73" name="PlaceHolder 3"/>
+          <p:cNvPr id="67" name="PlaceHolder 3"/>
           <p:cNvSpPr>
             <a:spLocks noGrp="1"/>
           </p:cNvSpPr>
@@ -1568,8 +1582,8 @@
         </p:nvSpPr>
         <p:spPr>
           <a:xfrm>
-            <a:off x="4673520" y="1600200"/>
-            <a:ext cx="4015440" cy="2158200"/>
+            <a:off x="4579920" y="1604520"/>
+            <a:ext cx="3926160" cy="1896840"/>
           </a:xfrm>
           <a:prstGeom prst="rect">
             <a:avLst/>
@@ -1606,7 +1620,7 @@
       </p:grpSpPr>
       <p:sp>
         <p:nvSpPr>
-          <p:cNvPr id="7" name="PlaceHolder 1"/>
+          <p:cNvPr id="4" name="PlaceHolder 1"/>
           <p:cNvSpPr>
             <a:spLocks noGrp="1"/>
           </p:cNvSpPr>
@@ -1616,8 +1630,8 @@
         </p:nvSpPr>
         <p:spPr>
           <a:xfrm>
-            <a:off x="457200" y="274680"/>
-            <a:ext cx="8229240" cy="1143000"/>
+            <a:off x="457200" y="273600"/>
+            <a:ext cx="8229240" cy="1145160"/>
           </a:xfrm>
           <a:prstGeom prst="rect">
             <a:avLst/>
@@ -1626,13 +1640,14 @@
         <p:txBody>
           <a:bodyPr anchor="ctr" bIns="0" lIns="0" rIns="0" tIns="0" wrap="none"/>
           <a:p>
-            <a:endParaRPr/>
-          </a:p>
-        </p:txBody>
-      </p:sp>
-      <p:sp>
-        <p:nvSpPr>
-          <p:cNvPr id="8" name="PlaceHolder 2"/>
+            <a:pPr algn="ctr"/>
+            <a:endParaRPr/>
+          </a:p>
+        </p:txBody>
+      </p:sp>
+      <p:sp>
+        <p:nvSpPr>
+          <p:cNvPr id="5" name="PlaceHolder 2"/>
           <p:cNvSpPr>
             <a:spLocks noGrp="1"/>
           </p:cNvSpPr>
@@ -1642,8 +1657,8 @@
         </p:nvSpPr>
         <p:spPr>
           <a:xfrm>
-            <a:off x="457200" y="1600200"/>
-            <a:ext cx="8229240" cy="4525560"/>
+            <a:off x="457200" y="1604520"/>
+            <a:ext cx="8046360" cy="3977280"/>
           </a:xfrm>
           <a:prstGeom prst="rect">
             <a:avLst/>
@@ -1680,7 +1695,7 @@
       </p:grpSpPr>
       <p:sp>
         <p:nvSpPr>
-          <p:cNvPr id="9" name="PlaceHolder 1"/>
+          <p:cNvPr id="6" name="PlaceHolder 1"/>
           <p:cNvSpPr>
             <a:spLocks noGrp="1"/>
           </p:cNvSpPr>
@@ -1690,8 +1705,8 @@
         </p:nvSpPr>
         <p:spPr>
           <a:xfrm>
-            <a:off x="457200" y="274680"/>
-            <a:ext cx="8229240" cy="1143000"/>
+            <a:off x="457200" y="273600"/>
+            <a:ext cx="8229240" cy="1145160"/>
           </a:xfrm>
           <a:prstGeom prst="rect">
             <a:avLst/>
@@ -1700,13 +1715,14 @@
         <p:txBody>
           <a:bodyPr anchor="ctr" bIns="0" lIns="0" rIns="0" tIns="0" wrap="none"/>
           <a:p>
-            <a:endParaRPr/>
-          </a:p>
-        </p:txBody>
-      </p:sp>
-      <p:sp>
-        <p:nvSpPr>
-          <p:cNvPr id="10" name="PlaceHolder 2"/>
+            <a:pPr algn="ctr"/>
+            <a:endParaRPr/>
+          </a:p>
+        </p:txBody>
+      </p:sp>
+      <p:sp>
+        <p:nvSpPr>
+          <p:cNvPr id="7" name="PlaceHolder 2"/>
           <p:cNvSpPr>
             <a:spLocks noGrp="1"/>
           </p:cNvSpPr>
@@ -1716,8 +1732,8 @@
         </p:nvSpPr>
         <p:spPr>
           <a:xfrm>
-            <a:off x="457200" y="1600200"/>
-            <a:ext cx="4015440" cy="4525560"/>
+            <a:off x="457200" y="1604520"/>
+            <a:ext cx="3926160" cy="3977280"/>
           </a:xfrm>
           <a:prstGeom prst="rect">
             <a:avLst/>
@@ -1732,7 +1748,7 @@
       </p:sp>
       <p:sp>
         <p:nvSpPr>
-          <p:cNvPr id="11" name="PlaceHolder 3"/>
+          <p:cNvPr id="8" name="PlaceHolder 3"/>
           <p:cNvSpPr>
             <a:spLocks noGrp="1"/>
           </p:cNvSpPr>
@@ -1742,8 +1758,8 @@
         </p:nvSpPr>
         <p:spPr>
           <a:xfrm>
-            <a:off x="4673520" y="1600200"/>
-            <a:ext cx="4015440" cy="4525560"/>
+            <a:off x="4579920" y="1604520"/>
+            <a:ext cx="3926160" cy="3977280"/>
           </a:xfrm>
           <a:prstGeom prst="rect">
             <a:avLst/>
@@ -1780,7 +1796,7 @@
       </p:grpSpPr>
       <p:sp>
         <p:nvSpPr>
-          <p:cNvPr id="12" name="PlaceHolder 1"/>
+          <p:cNvPr id="9" name="PlaceHolder 1"/>
           <p:cNvSpPr>
             <a:spLocks noGrp="1"/>
           </p:cNvSpPr>
@@ -1790,8 +1806,8 @@
         </p:nvSpPr>
         <p:spPr>
           <a:xfrm>
-            <a:off x="457200" y="274680"/>
-            <a:ext cx="8229240" cy="1143000"/>
+            <a:off x="457200" y="273600"/>
+            <a:ext cx="8229240" cy="1145160"/>
           </a:xfrm>
           <a:prstGeom prst="rect">
             <a:avLst/>
@@ -1800,6 +1816,7 @@
         <p:txBody>
           <a:bodyPr anchor="ctr" bIns="0" lIns="0" rIns="0" tIns="0" wrap="none"/>
           <a:p>
+            <a:pPr algn="ctr"/>
             <a:endParaRPr/>
           </a:p>
         </p:txBody>
@@ -1828,7 +1845,7 @@
       </p:grpSpPr>
       <p:sp>
         <p:nvSpPr>
-          <p:cNvPr id="13" name="PlaceHolder 1"/>
+          <p:cNvPr id="10" name="PlaceHolder 1"/>
           <p:cNvSpPr>
             <a:spLocks noGrp="1"/>
           </p:cNvSpPr>
@@ -1838,8 +1855,8 @@
         </p:nvSpPr>
         <p:spPr>
           <a:xfrm>
-            <a:off x="457200" y="274680"/>
-            <a:ext cx="8229240" cy="5851080"/>
+            <a:off x="457200" y="273600"/>
+            <a:ext cx="8229240" cy="5308200"/>
           </a:xfrm>
           <a:prstGeom prst="rect">
             <a:avLst/>
@@ -1877,7 +1894,7 @@
       </p:grpSpPr>
       <p:sp>
         <p:nvSpPr>
-          <p:cNvPr id="14" name="PlaceHolder 1"/>
+          <p:cNvPr id="11" name="PlaceHolder 1"/>
           <p:cNvSpPr>
             <a:spLocks noGrp="1"/>
           </p:cNvSpPr>
@@ -1887,8 +1904,8 @@
         </p:nvSpPr>
         <p:spPr>
           <a:xfrm>
-            <a:off x="457200" y="274680"/>
-            <a:ext cx="8229240" cy="1143000"/>
+            <a:off x="457200" y="273600"/>
+            <a:ext cx="8229240" cy="1145160"/>
           </a:xfrm>
           <a:prstGeom prst="rect">
             <a:avLst/>
@@ -1897,13 +1914,14 @@
         <p:txBody>
           <a:bodyPr anchor="ctr" bIns="0" lIns="0" rIns="0" tIns="0" wrap="none"/>
           <a:p>
-            <a:endParaRPr/>
-          </a:p>
-        </p:txBody>
-      </p:sp>
-      <p:sp>
-        <p:nvSpPr>
-          <p:cNvPr id="15" name="PlaceHolder 2"/>
+            <a:pPr algn="ctr"/>
+            <a:endParaRPr/>
+          </a:p>
+        </p:txBody>
+      </p:sp>
+      <p:sp>
+        <p:nvSpPr>
+          <p:cNvPr id="12" name="PlaceHolder 2"/>
           <p:cNvSpPr>
             <a:spLocks noGrp="1"/>
           </p:cNvSpPr>
@@ -1913,8 +1931,8 @@
         </p:nvSpPr>
         <p:spPr>
           <a:xfrm>
-            <a:off x="457200" y="1600200"/>
-            <a:ext cx="4015440" cy="2158200"/>
+            <a:off x="457200" y="1604520"/>
+            <a:ext cx="3926160" cy="1896840"/>
           </a:xfrm>
           <a:prstGeom prst="rect">
             <a:avLst/>
@@ -1929,7 +1947,7 @@
       </p:sp>
       <p:sp>
         <p:nvSpPr>
-          <p:cNvPr id="16" name="PlaceHolder 3"/>
+          <p:cNvPr id="13" name="PlaceHolder 3"/>
           <p:cNvSpPr>
             <a:spLocks noGrp="1"/>
           </p:cNvSpPr>
@@ -1939,8 +1957,8 @@
         </p:nvSpPr>
         <p:spPr>
           <a:xfrm>
-            <a:off x="457200" y="3963600"/>
-            <a:ext cx="4015440" cy="2158200"/>
+            <a:off x="457200" y="3681720"/>
+            <a:ext cx="3926160" cy="1896840"/>
           </a:xfrm>
           <a:prstGeom prst="rect">
             <a:avLst/>
@@ -1955,7 +1973,7 @@
       </p:sp>
       <p:sp>
         <p:nvSpPr>
-          <p:cNvPr id="17" name="PlaceHolder 4"/>
+          <p:cNvPr id="14" name="PlaceHolder 4"/>
           <p:cNvSpPr>
             <a:spLocks noGrp="1"/>
           </p:cNvSpPr>
@@ -1965,8 +1983,8 @@
         </p:nvSpPr>
         <p:spPr>
           <a:xfrm>
-            <a:off x="4673520" y="1600200"/>
-            <a:ext cx="4015440" cy="4525560"/>
+            <a:off x="4579920" y="1604520"/>
+            <a:ext cx="3926160" cy="3977280"/>
           </a:xfrm>
           <a:prstGeom prst="rect">
             <a:avLst/>
@@ -2003,7 +2021,7 @@
       </p:grpSpPr>
       <p:sp>
         <p:nvSpPr>
-          <p:cNvPr id="18" name="PlaceHolder 1"/>
+          <p:cNvPr id="15" name="PlaceHolder 1"/>
           <p:cNvSpPr>
             <a:spLocks noGrp="1"/>
           </p:cNvSpPr>
@@ -2013,8 +2031,8 @@
         </p:nvSpPr>
         <p:spPr>
           <a:xfrm>
-            <a:off x="457200" y="274680"/>
-            <a:ext cx="8229240" cy="1143000"/>
+            <a:off x="457200" y="273600"/>
+            <a:ext cx="8229240" cy="1145160"/>
           </a:xfrm>
           <a:prstGeom prst="rect">
             <a:avLst/>
@@ -2023,13 +2041,14 @@
         <p:txBody>
           <a:bodyPr anchor="ctr" bIns="0" lIns="0" rIns="0" tIns="0" wrap="none"/>
           <a:p>
-            <a:endParaRPr/>
-          </a:p>
-        </p:txBody>
-      </p:sp>
-      <p:sp>
-        <p:nvSpPr>
-          <p:cNvPr id="19" name="PlaceHolder 2"/>
+            <a:pPr algn="ctr"/>
+            <a:endParaRPr/>
+          </a:p>
+        </p:txBody>
+      </p:sp>
+      <p:sp>
+        <p:nvSpPr>
+          <p:cNvPr id="16" name="PlaceHolder 2"/>
           <p:cNvSpPr>
             <a:spLocks noGrp="1"/>
           </p:cNvSpPr>
@@ -2039,8 +2058,8 @@
         </p:nvSpPr>
         <p:spPr>
           <a:xfrm>
-            <a:off x="457200" y="1600200"/>
-            <a:ext cx="4015440" cy="4525560"/>
+            <a:off x="457200" y="1604520"/>
+            <a:ext cx="3926160" cy="3977280"/>
           </a:xfrm>
           <a:prstGeom prst="rect">
             <a:avLst/>
@@ -2055,7 +2074,7 @@
       </p:sp>
       <p:sp>
         <p:nvSpPr>
-          <p:cNvPr id="20" name="PlaceHolder 3"/>
+          <p:cNvPr id="17" name="PlaceHolder 3"/>
           <p:cNvSpPr>
             <a:spLocks noGrp="1"/>
           </p:cNvSpPr>
@@ -2065,8 +2084,8 @@
         </p:nvSpPr>
         <p:spPr>
           <a:xfrm>
-            <a:off x="4673520" y="1600200"/>
-            <a:ext cx="4015440" cy="2158200"/>
+            <a:off x="4579920" y="1604520"/>
+            <a:ext cx="3926160" cy="1896840"/>
           </a:xfrm>
           <a:prstGeom prst="rect">
             <a:avLst/>
@@ -2081,7 +2100,7 @@
       </p:sp>
       <p:sp>
         <p:nvSpPr>
-          <p:cNvPr id="21" name="PlaceHolder 4"/>
+          <p:cNvPr id="18" name="PlaceHolder 4"/>
           <p:cNvSpPr>
             <a:spLocks noGrp="1"/>
           </p:cNvSpPr>
@@ -2091,8 +2110,8 @@
         </p:nvSpPr>
         <p:spPr>
           <a:xfrm>
-            <a:off x="4673520" y="3963600"/>
-            <a:ext cx="4015440" cy="2158200"/>
+            <a:off x="4579920" y="3681720"/>
+            <a:ext cx="3926160" cy="1896840"/>
           </a:xfrm>
           <a:prstGeom prst="rect">
             <a:avLst/>
@@ -2129,7 +2148,7 @@
       </p:grpSpPr>
       <p:sp>
         <p:nvSpPr>
-          <p:cNvPr id="22" name="PlaceHolder 1"/>
+          <p:cNvPr id="19" name="PlaceHolder 1"/>
           <p:cNvSpPr>
             <a:spLocks noGrp="1"/>
           </p:cNvSpPr>
@@ -2139,8 +2158,8 @@
         </p:nvSpPr>
         <p:spPr>
           <a:xfrm>
-            <a:off x="457200" y="274680"/>
-            <a:ext cx="8229240" cy="1143000"/>
+            <a:off x="457200" y="273600"/>
+            <a:ext cx="8229240" cy="1145160"/>
           </a:xfrm>
           <a:prstGeom prst="rect">
             <a:avLst/>
@@ -2149,13 +2168,14 @@
         <p:txBody>
           <a:bodyPr anchor="ctr" bIns="0" lIns="0" rIns="0" tIns="0" wrap="none"/>
           <a:p>
-            <a:endParaRPr/>
-          </a:p>
-        </p:txBody>
-      </p:sp>
-      <p:sp>
-        <p:nvSpPr>
-          <p:cNvPr id="23" name="PlaceHolder 2"/>
+            <a:pPr algn="ctr"/>
+            <a:endParaRPr/>
+          </a:p>
+        </p:txBody>
+      </p:sp>
+      <p:sp>
+        <p:nvSpPr>
+          <p:cNvPr id="20" name="PlaceHolder 2"/>
           <p:cNvSpPr>
             <a:spLocks noGrp="1"/>
           </p:cNvSpPr>
@@ -2165,8 +2185,8 @@
         </p:nvSpPr>
         <p:spPr>
           <a:xfrm>
-            <a:off x="457200" y="1600200"/>
-            <a:ext cx="4015440" cy="2158200"/>
+            <a:off x="457200" y="1604520"/>
+            <a:ext cx="3926160" cy="1896840"/>
           </a:xfrm>
           <a:prstGeom prst="rect">
             <a:avLst/>
@@ -2181,7 +2201,7 @@
       </p:sp>
       <p:sp>
         <p:nvSpPr>
-          <p:cNvPr id="24" name="PlaceHolder 3"/>
+          <p:cNvPr id="21" name="PlaceHolder 3"/>
           <p:cNvSpPr>
             <a:spLocks noGrp="1"/>
           </p:cNvSpPr>
@@ -2191,8 +2211,8 @@
         </p:nvSpPr>
         <p:spPr>
           <a:xfrm>
-            <a:off x="4673520" y="1600200"/>
-            <a:ext cx="4015440" cy="2158200"/>
+            <a:off x="4579920" y="1604520"/>
+            <a:ext cx="3926160" cy="1896840"/>
           </a:xfrm>
           <a:prstGeom prst="rect">
             <a:avLst/>
@@ -2207,7 +2227,7 @@
       </p:sp>
       <p:sp>
         <p:nvSpPr>
-          <p:cNvPr id="25" name="PlaceHolder 4"/>
+          <p:cNvPr id="22" name="PlaceHolder 4"/>
           <p:cNvSpPr>
             <a:spLocks noGrp="1"/>
           </p:cNvSpPr>
@@ -2217,8 +2237,8 @@
         </p:nvSpPr>
         <p:spPr>
           <a:xfrm>
-            <a:off x="457200" y="3963600"/>
-            <a:ext cx="8228520" cy="2158200"/>
+            <a:off x="457200" y="3681720"/>
+            <a:ext cx="8045640" cy="1896840"/>
           </a:xfrm>
           <a:prstGeom prst="rect">
             <a:avLst/>
@@ -2272,29 +2292,19 @@
         </p:nvSpPr>
         <p:spPr>
           <a:xfrm>
-            <a:off x="685800" y="2130480"/>
-            <a:ext cx="7772040" cy="1469520"/>
-          </a:xfrm>
-          <a:prstGeom prst="rect">
-            <a:avLst/>
-          </a:prstGeom>
-        </p:spPr>
-        <p:txBody>
-          <a:bodyPr anchor="ctr"/>
-          <a:p>
-            <a:pPr algn="ctr">
-              <a:lnSpc>
-                <a:spcPct val="100000"/>
-              </a:lnSpc>
-            </a:pPr>
-            <a:r>
-              <a:rPr lang="fr-FR" sz="4400">
-                <a:solidFill>
-                  <a:srgbClr val="000000"/>
-                </a:solidFill>
-                <a:latin typeface="Calibri"/>
-              </a:rPr>
-              <a:t>Cliquez pour éditer le format du texte-titreModifiez le style du titre</a:t>
+            <a:off x="457200" y="274680"/>
+            <a:ext cx="8228880" cy="1142640"/>
+          </a:xfrm>
+          <a:prstGeom prst="rect">
+            <a:avLst/>
+          </a:prstGeom>
+        </p:spPr>
+        <p:txBody>
+          <a:bodyPr anchor="ctr" bIns="0" lIns="0" rIns="0" tIns="0" wrap="none"/>
+          <a:p>
+            <a:r>
+              <a:rPr lang="fr-FR"/>
+              <a:t>Cliquez pour éditer le format du texte-titre</a:t>
             </a:r>
             <a:endParaRPr/>
           </a:p>
@@ -2303,112 +2313,6 @@
       <p:sp>
         <p:nvSpPr>
           <p:cNvPr id="1" name="PlaceHolder 2"/>
-          <p:cNvSpPr>
-            <a:spLocks noGrp="1"/>
-          </p:cNvSpPr>
-          <p:nvPr>
-            <p:ph type="dt"/>
-          </p:nvPr>
-        </p:nvSpPr>
-        <p:spPr>
-          <a:xfrm>
-            <a:off x="0" y="0"/>
-            <a:ext cx="-11796840" cy="-11796840"/>
-          </a:xfrm>
-          <a:prstGeom prst="rect">
-            <a:avLst/>
-          </a:prstGeom>
-        </p:spPr>
-        <p:txBody>
-          <a:bodyPr bIns="45000" lIns="90000" rIns="90000" tIns="45000"/>
-          <a:p>
-            <a:pPr>
-              <a:lnSpc>
-                <a:spcPct val="100000"/>
-              </a:lnSpc>
-            </a:pPr>
-            <a:r>
-              <a:rPr lang="fr-FR">
-                <a:solidFill>
-                  <a:srgbClr val="000000"/>
-                </a:solidFill>
-                <a:latin typeface="Calibri"/>
-              </a:rPr>
-              <a:t>08/11/2012</a:t>
-            </a:r>
-            <a:endParaRPr/>
-          </a:p>
-        </p:txBody>
-      </p:sp>
-      <p:sp>
-        <p:nvSpPr>
-          <p:cNvPr id="2" name="PlaceHolder 3"/>
-          <p:cNvSpPr>
-            <a:spLocks noGrp="1"/>
-          </p:cNvSpPr>
-          <p:nvPr>
-            <p:ph type="ftr"/>
-          </p:nvPr>
-        </p:nvSpPr>
-        <p:spPr>
-          <a:xfrm>
-            <a:off x="0" y="0"/>
-            <a:ext cx="-11796840" cy="-11796840"/>
-          </a:xfrm>
-          <a:prstGeom prst="rect">
-            <a:avLst/>
-          </a:prstGeom>
-        </p:spPr>
-        <p:txBody>
-          <a:bodyPr bIns="45000" lIns="90000" rIns="90000" tIns="45000"/>
-          <a:p>
-            <a:endParaRPr/>
-          </a:p>
-        </p:txBody>
-      </p:sp>
-      <p:sp>
-        <p:nvSpPr>
-          <p:cNvPr id="3" name="PlaceHolder 4"/>
-          <p:cNvSpPr>
-            <a:spLocks noGrp="1"/>
-          </p:cNvSpPr>
-          <p:nvPr>
-            <p:ph type="sldNum"/>
-          </p:nvPr>
-        </p:nvSpPr>
-        <p:spPr>
-          <a:xfrm>
-            <a:off x="0" y="0"/>
-            <a:ext cx="-11796840" cy="-11796840"/>
-          </a:xfrm>
-          <a:prstGeom prst="rect">
-            <a:avLst/>
-          </a:prstGeom>
-        </p:spPr>
-        <p:txBody>
-          <a:bodyPr bIns="45000" lIns="90000" rIns="90000" tIns="45000"/>
-          <a:p>
-            <a:pPr>
-              <a:lnSpc>
-                <a:spcPct val="100000"/>
-              </a:lnSpc>
-            </a:pPr>
-            <a:fld id="{2F7D30EC-12AF-44EC-BAE2-13325D08F47E}" type="slidenum">
-              <a:rPr lang="fr-FR">
-                <a:solidFill>
-                  <a:srgbClr val="000000"/>
-                </a:solidFill>
-                <a:latin typeface="Calibri"/>
-              </a:rPr>
-              <a:t>&lt;numéro&gt;</a:t>
-            </a:fld>
-            <a:endParaRPr/>
-          </a:p>
-        </p:txBody>
-      </p:sp>
-      <p:sp>
-        <p:nvSpPr>
-          <p:cNvPr id="4" name="PlaceHolder 5"/>
           <p:cNvSpPr>
             <a:spLocks noGrp="1"/>
           </p:cNvSpPr>
@@ -2559,7 +2463,7 @@
       </p:grpSpPr>
       <p:sp>
         <p:nvSpPr>
-          <p:cNvPr id="37" name="PlaceHolder 1"/>
+          <p:cNvPr id="34" name="PlaceHolder 1"/>
           <p:cNvSpPr>
             <a:spLocks noGrp="1"/>
           </p:cNvSpPr>
@@ -2569,37 +2473,28 @@
         </p:nvSpPr>
         <p:spPr>
           <a:xfrm>
-            <a:off x="457200" y="274680"/>
-            <a:ext cx="8229240" cy="1142640"/>
-          </a:xfrm>
-          <a:prstGeom prst="rect">
-            <a:avLst/>
-          </a:prstGeom>
-        </p:spPr>
-        <p:txBody>
-          <a:bodyPr anchor="ctr"/>
-          <a:p>
-            <a:pPr algn="ctr">
-              <a:lnSpc>
-                <a:spcPct val="100000"/>
-              </a:lnSpc>
-            </a:pPr>
-            <a:r>
-              <a:rPr lang="fr-FR" sz="4400">
-                <a:solidFill>
-                  <a:srgbClr val="000000"/>
-                </a:solidFill>
-                <a:latin typeface="Calibri"/>
-              </a:rPr>
-              <a:t>Cliquez pour éditer le format du texte-titreModifiez le style du titre</a:t>
-            </a:r>
-            <a:endParaRPr/>
-          </a:p>
-        </p:txBody>
-      </p:sp>
-      <p:sp>
-        <p:nvSpPr>
-          <p:cNvPr id="38" name="PlaceHolder 2"/>
+            <a:off x="457200" y="273600"/>
+            <a:ext cx="8229240" cy="1144800"/>
+          </a:xfrm>
+          <a:prstGeom prst="rect">
+            <a:avLst/>
+          </a:prstGeom>
+        </p:spPr>
+        <p:txBody>
+          <a:bodyPr anchor="ctr" bIns="0" lIns="0" rIns="0" tIns="0" wrap="none"/>
+          <a:p>
+            <a:pPr algn="ctr"/>
+            <a:r>
+              <a:rPr lang="fr-FR"/>
+              <a:t>Cliquez pour éditer le format du texte-titre</a:t>
+            </a:r>
+            <a:endParaRPr/>
+          </a:p>
+        </p:txBody>
+      </p:sp>
+      <p:sp>
+        <p:nvSpPr>
+          <p:cNvPr id="35" name="PlaceHolder 2"/>
           <p:cNvSpPr>
             <a:spLocks noGrp="1"/>
           </p:cNvSpPr>
@@ -2609,15 +2504,15 @@
         </p:nvSpPr>
         <p:spPr>
           <a:xfrm>
-            <a:off x="457200" y="1600200"/>
-            <a:ext cx="8229240" cy="4525560"/>
-          </a:xfrm>
-          <a:prstGeom prst="rect">
-            <a:avLst/>
-          </a:prstGeom>
-        </p:spPr>
-        <p:txBody>
-          <a:bodyPr/>
+            <a:off x="457200" y="1604520"/>
+            <a:ext cx="8046360" cy="3977280"/>
+          </a:xfrm>
+          <a:prstGeom prst="rect">
+            <a:avLst/>
+          </a:prstGeom>
+        </p:spPr>
+        <p:txBody>
+          <a:bodyPr bIns="0" lIns="0" rIns="0" tIns="0" wrap="none"/>
           <a:p>
             <a:pPr>
               <a:buSzPct val="45000"/>
@@ -2625,12 +2520,7 @@
               <a:buChar char=""/>
             </a:pPr>
             <a:r>
-              <a:rPr lang="fr-FR" sz="3200">
-                <a:solidFill>
-                  <a:srgbClr val="000000"/>
-                </a:solidFill>
-                <a:latin typeface="Calibri"/>
-              </a:rPr>
+              <a:rPr lang="fr-FR"/>
               <a:t>Cliquez pour éditer le format du plan de texte</a:t>
             </a:r>
             <a:endParaRPr/>
@@ -2642,12 +2532,7 @@
               <a:buChar char=""/>
             </a:pPr>
             <a:r>
-              <a:rPr lang="fr-FR" sz="3200">
-                <a:solidFill>
-                  <a:srgbClr val="000000"/>
-                </a:solidFill>
-                <a:latin typeface="Calibri"/>
-              </a:rPr>
+              <a:rPr lang="fr-FR"/>
               <a:t>Second niveau de plan</a:t>
             </a:r>
             <a:endParaRPr/>
@@ -2659,12 +2544,7 @@
               <a:buChar char=""/>
             </a:pPr>
             <a:r>
-              <a:rPr lang="fr-FR" sz="3200">
-                <a:solidFill>
-                  <a:srgbClr val="000000"/>
-                </a:solidFill>
-                <a:latin typeface="Calibri"/>
-              </a:rPr>
+              <a:rPr lang="fr-FR"/>
               <a:t>Troisième niveau de plan</a:t>
             </a:r>
             <a:endParaRPr/>
@@ -2676,12 +2556,7 @@
               <a:buChar char=""/>
             </a:pPr>
             <a:r>
-              <a:rPr lang="fr-FR" sz="3200">
-                <a:solidFill>
-                  <a:srgbClr val="000000"/>
-                </a:solidFill>
-                <a:latin typeface="Calibri"/>
-              </a:rPr>
+              <a:rPr lang="fr-FR"/>
               <a:t>Quatrième niveau de plan</a:t>
             </a:r>
             <a:endParaRPr/>
@@ -2693,12 +2568,7 @@
               <a:buChar char=""/>
             </a:pPr>
             <a:r>
-              <a:rPr lang="fr-FR" sz="3200">
-                <a:solidFill>
-                  <a:srgbClr val="000000"/>
-                </a:solidFill>
-                <a:latin typeface="Calibri"/>
-              </a:rPr>
+              <a:rPr lang="fr-FR"/>
               <a:t>Cinquième niveau de plan</a:t>
             </a:r>
             <a:endParaRPr/>
@@ -2710,206 +2580,21 @@
               <a:buChar char=""/>
             </a:pPr>
             <a:r>
-              <a:rPr lang="fr-FR" sz="3200">
-                <a:solidFill>
-                  <a:srgbClr val="000000"/>
-                </a:solidFill>
-                <a:latin typeface="Calibri"/>
-              </a:rPr>
+              <a:rPr lang="fr-FR"/>
               <a:t>Sixième niveau de plan</a:t>
             </a:r>
             <a:endParaRPr/>
           </a:p>
           <a:p>
-            <a:pPr>
-              <a:lnSpc>
-                <a:spcPct val="100000"/>
-              </a:lnSpc>
-              <a:buFont typeface="Arial"/>
-              <a:buChar char="•"/>
-            </a:pPr>
-            <a:r>
-              <a:rPr lang="fr-FR" sz="3200">
-                <a:solidFill>
-                  <a:srgbClr val="000000"/>
-                </a:solidFill>
-                <a:latin typeface="Calibri"/>
-              </a:rPr>
-              <a:t>Septième niveau de planModifiez les styles du texte du masque</a:t>
-            </a:r>
-            <a:endParaRPr/>
-          </a:p>
-          <a:p>
-            <a:pPr lvl="1">
-              <a:lnSpc>
-                <a:spcPct val="100000"/>
-              </a:lnSpc>
-              <a:buFont typeface="Arial"/>
-              <a:buChar char="–"/>
-            </a:pPr>
-            <a:r>
-              <a:rPr lang="fr-FR" sz="2800">
-                <a:solidFill>
-                  <a:srgbClr val="000000"/>
-                </a:solidFill>
-                <a:latin typeface="Calibri"/>
-              </a:rPr>
-              <a:t>Deuxième niveau</a:t>
-            </a:r>
-            <a:endParaRPr/>
-          </a:p>
-          <a:p>
-            <a:pPr lvl="1">
-              <a:buFont typeface="Arial"/>
-              <a:buChar char="–"/>
-            </a:pPr>
-            <a:r>
-              <a:rPr lang="fr-FR" sz="2400">
-                <a:solidFill>
-                  <a:srgbClr val="000000"/>
-                </a:solidFill>
-                <a:latin typeface="Calibri"/>
-              </a:rPr>
-              <a:t>Troisième niveau</a:t>
-            </a:r>
-            <a:endParaRPr/>
-          </a:p>
-          <a:p>
-            <a:pPr lvl="2">
-              <a:buFont typeface="Arial"/>
-              <a:buChar char="•"/>
-            </a:pPr>
-            <a:r>
-              <a:rPr lang="fr-FR" sz="2000">
-                <a:solidFill>
-                  <a:srgbClr val="000000"/>
-                </a:solidFill>
-                <a:latin typeface="Calibri"/>
-              </a:rPr>
-              <a:t>Quatrième niveau</a:t>
-            </a:r>
-            <a:endParaRPr/>
-          </a:p>
-          <a:p>
-            <a:pPr lvl="3">
-              <a:buFont typeface="Arial"/>
-              <a:buChar char="–"/>
-            </a:pPr>
-            <a:r>
-              <a:rPr lang="fr-FR" sz="2000">
-                <a:solidFill>
-                  <a:srgbClr val="000000"/>
-                </a:solidFill>
-                <a:latin typeface="Calibri"/>
-              </a:rPr>
-              <a:t>Cinquième niveau</a:t>
-            </a:r>
-            <a:endParaRPr/>
-          </a:p>
-        </p:txBody>
-      </p:sp>
-      <p:sp>
-        <p:nvSpPr>
-          <p:cNvPr id="39" name="PlaceHolder 3"/>
-          <p:cNvSpPr>
-            <a:spLocks noGrp="1"/>
-          </p:cNvSpPr>
-          <p:nvPr>
-            <p:ph type="dt"/>
-          </p:nvPr>
-        </p:nvSpPr>
-        <p:spPr>
-          <a:xfrm>
-            <a:off x="0" y="0"/>
-            <a:ext cx="-11796840" cy="-11796840"/>
-          </a:xfrm>
-          <a:prstGeom prst="rect">
-            <a:avLst/>
-          </a:prstGeom>
-        </p:spPr>
-        <p:txBody>
-          <a:bodyPr bIns="45000" lIns="90000" rIns="90000" tIns="45000"/>
-          <a:p>
-            <a:pPr>
-              <a:lnSpc>
-                <a:spcPct val="100000"/>
-              </a:lnSpc>
-            </a:pPr>
-            <a:r>
-              <a:rPr lang="fr-FR">
-                <a:solidFill>
-                  <a:srgbClr val="000000"/>
-                </a:solidFill>
-                <a:latin typeface="Calibri"/>
-              </a:rPr>
-              <a:t>08/11/2012</a:t>
-            </a:r>
-            <a:endParaRPr/>
-          </a:p>
-        </p:txBody>
-      </p:sp>
-      <p:sp>
-        <p:nvSpPr>
-          <p:cNvPr id="40" name="PlaceHolder 4"/>
-          <p:cNvSpPr>
-            <a:spLocks noGrp="1"/>
-          </p:cNvSpPr>
-          <p:nvPr>
-            <p:ph type="ftr"/>
-          </p:nvPr>
-        </p:nvSpPr>
-        <p:spPr>
-          <a:xfrm>
-            <a:off x="0" y="0"/>
-            <a:ext cx="-11796840" cy="-11796840"/>
-          </a:xfrm>
-          <a:prstGeom prst="rect">
-            <a:avLst/>
-          </a:prstGeom>
-        </p:spPr>
-        <p:txBody>
-          <a:bodyPr bIns="45000" lIns="90000" rIns="90000" tIns="45000"/>
-          <a:p>
-            <a:endParaRPr/>
-          </a:p>
-        </p:txBody>
-      </p:sp>
-      <p:sp>
-        <p:nvSpPr>
-          <p:cNvPr id="41" name="PlaceHolder 5"/>
-          <p:cNvSpPr>
-            <a:spLocks noGrp="1"/>
-          </p:cNvSpPr>
-          <p:nvPr>
-            <p:ph type="sldNum"/>
-          </p:nvPr>
-        </p:nvSpPr>
-        <p:spPr>
-          <a:xfrm>
-            <a:off x="0" y="0"/>
-            <a:ext cx="-11796840" cy="-11796840"/>
-          </a:xfrm>
-          <a:prstGeom prst="rect">
-            <a:avLst/>
-          </a:prstGeom>
-        </p:spPr>
-        <p:txBody>
-          <a:bodyPr bIns="45000" lIns="90000" rIns="90000" tIns="45000"/>
-          <a:p>
-            <a:pPr>
-              <a:lnSpc>
-                <a:spcPct val="100000"/>
-              </a:lnSpc>
-            </a:pPr>
-            <a:fld id="{C6262666-1552-4275-ACED-BDCB9C6C9285}" type="slidenum">
-              <a:rPr lang="fr-FR">
-                <a:solidFill>
-                  <a:srgbClr val="000000"/>
-                </a:solidFill>
-                <a:latin typeface="Calibri"/>
-              </a:rPr>
-              <a:t>&lt;numéro&gt;</a:t>
-            </a:fld>
+            <a:pPr lvl="6">
+              <a:buSzPct val="45000"/>
+              <a:buFont typeface="StarSymbol"/>
+              <a:buChar char=""/>
+            </a:pPr>
+            <a:r>
+              <a:rPr lang="fr-FR"/>
+              <a:t>Septième niveau de plan</a:t>
+            </a:r>
             <a:endParaRPr/>
           </a:p>
         </p:txBody>
@@ -2953,7 +2638,7 @@
       </p:grpSpPr>
       <p:pic>
         <p:nvPicPr>
-          <p:cNvPr descr="" id="74" name="Picture 2"/>
+          <p:cNvPr descr="" id="68" name="Picture 2"/>
           <p:cNvPicPr/>
           <p:nvPr/>
         </p:nvPicPr>
@@ -2966,7 +2651,7 @@
         <p:spPr>
           <a:xfrm>
             <a:off x="107640" y="293400"/>
-            <a:ext cx="5714640" cy="5714640"/>
+            <a:ext cx="5714280" cy="5714280"/>
           </a:xfrm>
           <a:prstGeom prst="rect">
             <a:avLst/>
@@ -2975,21 +2660,34 @@
       </p:pic>
       <p:sp>
         <p:nvSpPr>
-          <p:cNvPr id="75" name="TextShape 1"/>
-          <p:cNvSpPr txBox="1"/>
+          <p:cNvPr id="69" name="CustomShape 1"/>
+          <p:cNvSpPr/>
           <p:nvPr/>
         </p:nvSpPr>
         <p:spPr>
           <a:xfrm>
             <a:off x="4707000" y="620640"/>
-            <a:ext cx="4436640" cy="1469520"/>
-          </a:xfrm>
-          <a:prstGeom prst="rect">
-            <a:avLst/>
-          </a:prstGeom>
-        </p:spPr>
-        <p:txBody>
-          <a:bodyPr anchor="ctr"/>
+            <a:ext cx="4436280" cy="1469160"/>
+          </a:xfrm>
+          <a:prstGeom prst="rect">
+            <a:avLst/>
+          </a:prstGeom>
+        </p:spPr>
+        <p:txBody>
+          <a:bodyPr anchor="ctr" bIns="45000" lIns="90000" rIns="90000" tIns="45000"/>
+          <a:p>
+            <a:r>
+              <a:rPr lang="fr-FR" sz="4400">
+                <a:solidFill>
+                  <a:srgbClr val="595959"/>
+                </a:solidFill>
+                <a:latin typeface="Kozuka Gothic Pr6N L"/>
+                <a:ea typeface="Kozuka Gothic Pr6N L"/>
+              </a:rPr>
+              <a:t>Projet Plast’Prod</a:t>
+            </a:r>
+            <a:endParaRPr/>
+          </a:p>
           <a:p>
             <a:pPr algn="r">
               <a:lnSpc>
@@ -2997,34 +2695,13 @@
               </a:lnSpc>
             </a:pPr>
             <a:r>
-              <a:rPr lang="fr-FR" sz="4400">
+              <a:rPr b="1" lang="fr-FR" sz="2400">
                 <a:solidFill>
                   <a:srgbClr val="595959"/>
                 </a:solidFill>
                 <a:latin typeface="Kozuka Gothic Pr6N L"/>
                 <a:ea typeface="Kozuka Gothic Pr6N L"/>
               </a:rPr>
-              <a:t>Projet Plast’Prod</a:t>
-            </a:r>
-            <a:r>
-              <a:rPr lang="fr-FR" sz="4400">
-                <a:solidFill>
-                  <a:srgbClr val="595959"/>
-                </a:solidFill>
-                <a:latin typeface="Kozuka Gothic Pr6N L"/>
-                <a:ea typeface="Kozuka Gothic Pr6N L"/>
-              </a:rPr>
-              <a:t>
-</a:t>
-            </a:r>
-            <a:r>
-              <a:rPr b="1" lang="fr-FR" sz="2400">
-                <a:solidFill>
-                  <a:srgbClr val="595959"/>
-                </a:solidFill>
-                <a:latin typeface="Kozuka Gothic Pr6N L"/>
-                <a:ea typeface="Kozuka Gothic Pr6N L"/>
-              </a:rPr>
               <a:t>Livrables 1 &amp; 2</a:t>
             </a:r>
             <a:endParaRPr/>
@@ -3033,21 +2710,21 @@
       </p:sp>
       <p:sp>
         <p:nvSpPr>
-          <p:cNvPr id="76" name="TextShape 2"/>
-          <p:cNvSpPr txBox="1"/>
+          <p:cNvPr id="70" name="CustomShape 2"/>
+          <p:cNvSpPr/>
           <p:nvPr/>
         </p:nvSpPr>
         <p:spPr>
           <a:xfrm>
             <a:off x="6516360" y="6304320"/>
-            <a:ext cx="2627280" cy="553320"/>
-          </a:xfrm>
-          <a:prstGeom prst="rect">
-            <a:avLst/>
-          </a:prstGeom>
-        </p:spPr>
-        <p:txBody>
-          <a:bodyPr/>
+            <a:ext cx="2626920" cy="552960"/>
+          </a:xfrm>
+          <a:prstGeom prst="rect">
+            <a:avLst/>
+          </a:prstGeom>
+        </p:spPr>
+        <p:txBody>
+          <a:bodyPr bIns="45000" lIns="90000" rIns="90000" tIns="45000"/>
           <a:p>
             <a:pPr algn="ctr">
               <a:lnSpc>
@@ -3098,21 +2775,21 @@
       </p:grpSpPr>
       <p:sp>
         <p:nvSpPr>
-          <p:cNvPr id="95" name="TextShape 1"/>
-          <p:cNvSpPr txBox="1"/>
+          <p:cNvPr id="89" name="CustomShape 1"/>
+          <p:cNvSpPr/>
           <p:nvPr/>
         </p:nvSpPr>
         <p:spPr>
           <a:xfrm>
             <a:off x="457200" y="274680"/>
-            <a:ext cx="8229240" cy="1142640"/>
-          </a:xfrm>
-          <a:prstGeom prst="rect">
-            <a:avLst/>
-          </a:prstGeom>
-        </p:spPr>
-        <p:txBody>
-          <a:bodyPr anchor="ctr"/>
+            <a:ext cx="8228880" cy="1142280"/>
+          </a:xfrm>
+          <a:prstGeom prst="rect">
+            <a:avLst/>
+          </a:prstGeom>
+        </p:spPr>
+        <p:txBody>
+          <a:bodyPr anchor="ctr" bIns="45000" lIns="90000" rIns="90000" tIns="45000"/>
           <a:p>
             <a:pPr algn="ctr">
               <a:lnSpc>
@@ -3135,21 +2812,21 @@
       </p:sp>
       <p:sp>
         <p:nvSpPr>
-          <p:cNvPr id="96" name="TextShape 2"/>
-          <p:cNvSpPr txBox="1"/>
+          <p:cNvPr id="90" name="CustomShape 2"/>
+          <p:cNvSpPr/>
           <p:nvPr/>
         </p:nvSpPr>
         <p:spPr>
           <a:xfrm>
             <a:off x="457200" y="1600200"/>
-            <a:ext cx="8229240" cy="4525560"/>
-          </a:xfrm>
-          <a:prstGeom prst="rect">
-            <a:avLst/>
-          </a:prstGeom>
-        </p:spPr>
-        <p:txBody>
-          <a:bodyPr/>
+            <a:ext cx="8228880" cy="4525200"/>
+          </a:xfrm>
+          <a:prstGeom prst="rect">
+            <a:avLst/>
+          </a:prstGeom>
+        </p:spPr>
+        <p:txBody>
+          <a:bodyPr bIns="45000" lIns="90000" rIns="90000" tIns="45000"/>
           <a:p>
             <a:r>
               <a:rPr lang="fr-FR" sz="2000">
@@ -3164,9 +2841,12 @@
           </a:p>
           <a:p>
             <a:pPr>
+              <a:lnSpc>
+                <a:spcPct val="100000"/>
+              </a:lnSpc>
               <a:buSzPct val="45000"/>
               <a:buFont typeface="StarSymbol"/>
-              <a:buChar char=""/>
+              <a:buChar char="l"/>
             </a:pPr>
             <a:r>
               <a:rPr lang="fr-FR" sz="2000">
@@ -3178,9 +2858,12 @@
           </a:p>
           <a:p>
             <a:pPr>
+              <a:lnSpc>
+                <a:spcPct val="100000"/>
+              </a:lnSpc>
               <a:buSzPct val="45000"/>
               <a:buFont typeface="StarSymbol"/>
-              <a:buChar char=""/>
+              <a:buChar char="l"/>
             </a:pPr>
             <a:r>
               <a:rPr lang="fr-FR" sz="2000">
@@ -3190,28 +2873,31 @@
                 <a:latin typeface="Kozuka Gothic Pr6N L"/>
                 <a:ea typeface="Kozuka Gothic Pr6N L"/>
               </a:rPr>
-              <a:t>Une maitrise totale </a:t>
-            </a:r>
+              <a:t>Une maitrise totale des délais de livraison</a:t>
+            </a:r>
+            <a:endParaRPr/>
+          </a:p>
+          <a:p>
+            <a:pPr>
+              <a:lnSpc>
+                <a:spcPct val="100000"/>
+              </a:lnSpc>
+            </a:pPr>
+            <a:endParaRPr/>
+          </a:p>
+          <a:p>
+            <a:pPr>
+              <a:lnSpc>
+                <a:spcPct val="100000"/>
+              </a:lnSpc>
+            </a:pPr>
             <a:r>
               <a:rPr lang="fr-FR" sz="2000">
-                <a:latin typeface="Kozuka Gothic Pr6N L"/>
-              </a:rPr>
-              <a:t>des délais de livraison</a:t>
-            </a:r>
-            <a:endParaRPr/>
-          </a:p>
-          <a:p>
-            <a:pPr>
-              <a:buSzPct val="45000"/>
-              <a:buFont typeface="StarSymbol"/>
-              <a:buChar char=""/>
-            </a:pPr>
-            <a:endParaRPr/>
-          </a:p>
-          <a:p>
-            <a:r>
-              <a:rPr lang="fr-FR" sz="2000">
-                <a:latin typeface="Kozuka Gothic Pr6N L"/>
+                <a:solidFill>
+                  <a:srgbClr val="000000"/>
+                </a:solidFill>
+                <a:latin typeface="Kozuka Gothic Pr6N L"/>
+                <a:ea typeface="Kozuka Gothic Pr6N L"/>
               </a:rPr>
               <a:t>La réussite sera mesurée par le respect du planning et la satisfaction des utilisateurs, qui seront mesurés lors des quatre livraisons.</a:t>
             </a:r>
@@ -3279,21 +2965,21 @@
       </p:grpSpPr>
       <p:sp>
         <p:nvSpPr>
-          <p:cNvPr id="97" name="TextShape 1"/>
-          <p:cNvSpPr txBox="1"/>
+          <p:cNvPr id="91" name="CustomShape 1"/>
+          <p:cNvSpPr/>
           <p:nvPr/>
         </p:nvSpPr>
         <p:spPr>
           <a:xfrm>
             <a:off x="457200" y="-62640"/>
-            <a:ext cx="8229240" cy="782640"/>
-          </a:xfrm>
-          <a:prstGeom prst="rect">
-            <a:avLst/>
-          </a:prstGeom>
-        </p:spPr>
-        <p:txBody>
-          <a:bodyPr anchor="ctr"/>
+            <a:ext cx="8228880" cy="782280"/>
+          </a:xfrm>
+          <a:prstGeom prst="rect">
+            <a:avLst/>
+          </a:prstGeom>
+        </p:spPr>
+        <p:txBody>
+          <a:bodyPr anchor="ctr" bIns="45000" lIns="90000" rIns="90000" tIns="45000"/>
           <a:p>
             <a:pPr algn="ctr">
               <a:lnSpc>
@@ -3316,7 +3002,7 @@
       </p:sp>
       <p:pic>
         <p:nvPicPr>
-          <p:cNvPr descr="" id="98" name="Picture 2"/>
+          <p:cNvPr descr="" id="92" name="Picture 2"/>
           <p:cNvPicPr/>
           <p:nvPr/>
         </p:nvPicPr>
@@ -3329,7 +3015,7 @@
         <p:spPr>
           <a:xfrm>
             <a:off x="1979640" y="836640"/>
-            <a:ext cx="2034720" cy="5589360"/>
+            <a:ext cx="2034360" cy="5589000"/>
           </a:xfrm>
           <a:prstGeom prst="rect">
             <a:avLst/>
@@ -3338,14 +3024,14 @@
       </p:pic>
       <p:sp>
         <p:nvSpPr>
-          <p:cNvPr id="99" name="CustomShape 2"/>
+          <p:cNvPr id="93" name="CustomShape 2"/>
           <p:cNvSpPr/>
           <p:nvPr/>
         </p:nvSpPr>
         <p:spPr>
           <a:xfrm>
             <a:off x="5245200" y="1364400"/>
-            <a:ext cx="2863440" cy="364680"/>
+            <a:ext cx="2863080" cy="364320"/>
           </a:xfrm>
           <a:prstGeom prst="rect">
             <a:avLst/>
@@ -3374,14 +3060,14 @@
       </p:sp>
       <p:sp>
         <p:nvSpPr>
-          <p:cNvPr id="100" name="CustomShape 3"/>
+          <p:cNvPr id="94" name="CustomShape 3"/>
           <p:cNvSpPr/>
           <p:nvPr/>
         </p:nvSpPr>
         <p:spPr>
           <a:xfrm>
             <a:off x="5378760" y="4240080"/>
-            <a:ext cx="2453400" cy="364680"/>
+            <a:ext cx="2453040" cy="364320"/>
           </a:xfrm>
           <a:prstGeom prst="rect">
             <a:avLst/>
@@ -3410,7 +3096,7 @@
       </p:sp>
       <p:sp>
         <p:nvSpPr>
-          <p:cNvPr id="101" name="Line 4"/>
+          <p:cNvPr id="95" name="Line 4"/>
           <p:cNvSpPr/>
           <p:nvPr/>
         </p:nvSpPr>
@@ -3432,7 +3118,7 @@
       </p:sp>
       <p:sp>
         <p:nvSpPr>
-          <p:cNvPr id="102" name="Line 5"/>
+          <p:cNvPr id="96" name="Line 5"/>
           <p:cNvSpPr/>
           <p:nvPr/>
         </p:nvSpPr>
@@ -3488,7 +3174,7 @@
                                           </p:stCondLst>
                                         </p:cTn>
                                         <p:tgtEl>
-                                          <p:spTgt spid="99"/>
+                                          <p:spTgt spid="93"/>
                                         </p:tgtEl>
                                         <p:attrNameLst>
                                           <p:attrName>style.visibility</p:attrName>
@@ -3502,7 +3188,7 @@
                                       <p:cBhvr additive="repl">
                                         <p:cTn dur="500" fill="hold" id="9"/>
                                         <p:tgtEl>
-                                          <p:spTgt spid="99"/>
+                                          <p:spTgt spid="93"/>
                                         </p:tgtEl>
                                         <p:attrNameLst>
                                           <p:attrName>ppt_x</p:attrName>
@@ -3525,7 +3211,7 @@
                                       <p:cBhvr additive="repl">
                                         <p:cTn dur="500" fill="hold" id="10"/>
                                         <p:tgtEl>
-                                          <p:spTgt spid="99"/>
+                                          <p:spTgt spid="93"/>
                                         </p:tgtEl>
                                         <p:attrNameLst>
                                           <p:attrName>ppt_y</p:attrName>
@@ -3579,7 +3265,7 @@
                                           </p:stCondLst>
                                         </p:cTn>
                                         <p:tgtEl>
-                                          <p:spTgt spid="100"/>
+                                          <p:spTgt spid="94"/>
                                         </p:tgtEl>
                                         <p:attrNameLst>
                                           <p:attrName>style.visibility</p:attrName>
@@ -3593,7 +3279,7 @@
                                       <p:cBhvr additive="repl">
                                         <p:cTn dur="1000" fill="freeze" id="15"/>
                                         <p:tgtEl>
-                                          <p:spTgt spid="100"/>
+                                          <p:spTgt spid="94"/>
                                         </p:tgtEl>
                                       </p:cBhvr>
                                     </p:animEffect>
@@ -3601,7 +3287,7 @@
                                       <p:cBhvr additive="repl">
                                         <p:cTn dur="1000" fill="hold" id="16"/>
                                         <p:tgtEl>
-                                          <p:spTgt spid="100"/>
+                                          <p:spTgt spid="94"/>
                                         </p:tgtEl>
                                         <p:attrNameLst>
                                           <p:attrName>ppt_x</p:attrName>
@@ -3624,7 +3310,7 @@
                                       <p:cBhvr additive="repl">
                                         <p:cTn dur="1000" fill="hold" id="17"/>
                                         <p:tgtEl>
-                                          <p:spTgt spid="100"/>
+                                          <p:spTgt spid="94"/>
                                         </p:tgtEl>
                                         <p:attrNameLst>
                                           <p:attrName>ppt_y</p:attrName>
@@ -3703,21 +3389,21 @@
       </p:grpSpPr>
       <p:sp>
         <p:nvSpPr>
-          <p:cNvPr id="103" name="TextShape 1"/>
-          <p:cNvSpPr txBox="1"/>
+          <p:cNvPr id="97" name="CustomShape 1"/>
+          <p:cNvSpPr/>
           <p:nvPr/>
         </p:nvSpPr>
         <p:spPr>
           <a:xfrm>
             <a:off x="457200" y="72000"/>
-            <a:ext cx="8229240" cy="936000"/>
-          </a:xfrm>
-          <a:prstGeom prst="rect">
-            <a:avLst/>
-          </a:prstGeom>
-        </p:spPr>
-        <p:txBody>
-          <a:bodyPr anchor="ctr"/>
+            <a:ext cx="8228880" cy="935640"/>
+          </a:xfrm>
+          <a:prstGeom prst="rect">
+            <a:avLst/>
+          </a:prstGeom>
+        </p:spPr>
+        <p:txBody>
+          <a:bodyPr anchor="ctr" bIns="45000" lIns="90000" rIns="90000" tIns="45000"/>
           <a:p>
             <a:pPr algn="ctr">
               <a:lnSpc>
@@ -3740,21 +3426,21 @@
       </p:sp>
       <p:sp>
         <p:nvSpPr>
-          <p:cNvPr id="104" name="TextShape 2"/>
-          <p:cNvSpPr txBox="1"/>
+          <p:cNvPr id="98" name="CustomShape 2"/>
+          <p:cNvSpPr/>
           <p:nvPr/>
         </p:nvSpPr>
         <p:spPr>
           <a:xfrm>
             <a:off x="457200" y="1008000"/>
-            <a:ext cx="8229240" cy="5117760"/>
-          </a:xfrm>
-          <a:prstGeom prst="rect">
-            <a:avLst/>
-          </a:prstGeom>
-        </p:spPr>
-        <p:txBody>
-          <a:bodyPr/>
+            <a:ext cx="8228880" cy="5117400"/>
+          </a:xfrm>
+          <a:prstGeom prst="rect">
+            <a:avLst/>
+          </a:prstGeom>
+        </p:spPr>
+        <p:txBody>
+          <a:bodyPr bIns="45000" lIns="90000" rIns="90000" tIns="45000"/>
           <a:p>
             <a:r>
               <a:rPr b="1" lang="fr-FR" sz="3600">
@@ -3766,9 +3452,12 @@
           </a:p>
           <a:p>
             <a:pPr>
+              <a:lnSpc>
+                <a:spcPct val="100000"/>
+              </a:lnSpc>
               <a:buSzPct val="45000"/>
               <a:buFont typeface="StarSymbol"/>
-              <a:buChar char=""/>
+              <a:buChar char="l"/>
             </a:pPr>
             <a:r>
               <a:rPr lang="fr-FR" sz="3600">
@@ -3780,9 +3469,12 @@
           </a:p>
           <a:p>
             <a:pPr>
+              <a:lnSpc>
+                <a:spcPct val="100000"/>
+              </a:lnSpc>
               <a:buSzPct val="45000"/>
               <a:buFont typeface="StarSymbol"/>
-              <a:buChar char=""/>
+              <a:buChar char="l"/>
             </a:pPr>
             <a:r>
               <a:rPr lang="fr-FR" sz="3600">
@@ -3794,9 +3486,12 @@
           </a:p>
           <a:p>
             <a:pPr>
+              <a:lnSpc>
+                <a:spcPct val="100000"/>
+              </a:lnSpc>
               <a:buSzPct val="45000"/>
               <a:buFont typeface="StarSymbol"/>
-              <a:buChar char=""/>
+              <a:buChar char="l"/>
             </a:pPr>
             <a:r>
               <a:rPr lang="fr-FR" sz="3600">
@@ -3808,9 +3503,12 @@
           </a:p>
           <a:p>
             <a:pPr>
+              <a:lnSpc>
+                <a:spcPct val="100000"/>
+              </a:lnSpc>
               <a:buSzPct val="45000"/>
               <a:buFont typeface="StarSymbol"/>
-              <a:buChar char=""/>
+              <a:buChar char="l"/>
             </a:pPr>
             <a:r>
               <a:rPr lang="fr-FR" sz="3600">
@@ -3821,6 +3519,11 @@
             <a:endParaRPr/>
           </a:p>
           <a:p>
+            <a:pPr>
+              <a:lnSpc>
+                <a:spcPct val="100000"/>
+              </a:lnSpc>
+            </a:pPr>
             <a:r>
               <a:rPr b="1" lang="fr-FR" sz="3600">
                 <a:latin typeface="Kozuka Gothic Pr6N L"/>
@@ -3831,9 +3534,12 @@
           </a:p>
           <a:p>
             <a:pPr>
+              <a:lnSpc>
+                <a:spcPct val="100000"/>
+              </a:lnSpc>
               <a:buSzPct val="45000"/>
               <a:buFont typeface="StarSymbol"/>
-              <a:buChar char=""/>
+              <a:buChar char="l"/>
             </a:pPr>
             <a:r>
               <a:rPr lang="fr-FR" sz="3600">
@@ -3845,9 +3551,12 @@
           </a:p>
           <a:p>
             <a:pPr>
+              <a:lnSpc>
+                <a:spcPct val="100000"/>
+              </a:lnSpc>
               <a:buSzPct val="45000"/>
               <a:buFont typeface="StarSymbol"/>
-              <a:buChar char=""/>
+              <a:buChar char="l"/>
             </a:pPr>
             <a:r>
               <a:rPr lang="fr-FR" sz="3600">
@@ -3859,9 +3568,12 @@
           </a:p>
           <a:p>
             <a:pPr>
+              <a:lnSpc>
+                <a:spcPct val="100000"/>
+              </a:lnSpc>
               <a:buSzPct val="45000"/>
               <a:buFont typeface="StarSymbol"/>
-              <a:buChar char=""/>
+              <a:buChar char="l"/>
             </a:pPr>
             <a:r>
               <a:rPr lang="fr-FR" sz="3600">
@@ -3873,9 +3585,12 @@
           </a:p>
           <a:p>
             <a:pPr>
+              <a:lnSpc>
+                <a:spcPct val="100000"/>
+              </a:lnSpc>
               <a:buSzPct val="45000"/>
               <a:buFont typeface="StarSymbol"/>
-              <a:buChar char=""/>
+              <a:buChar char="l"/>
             </a:pPr>
             <a:r>
               <a:rPr lang="fr-FR" sz="3600">
@@ -3886,6 +3601,11 @@
             <a:endParaRPr/>
           </a:p>
           <a:p>
+            <a:pPr>
+              <a:lnSpc>
+                <a:spcPct val="100000"/>
+              </a:lnSpc>
+            </a:pPr>
             <a:r>
               <a:rPr b="1" lang="fr-FR" sz="3600">
                 <a:latin typeface="Kozuka Gothic Pr6N L"/>
@@ -3908,9 +3628,12 @@
           </a:p>
           <a:p>
             <a:pPr>
+              <a:lnSpc>
+                <a:spcPct val="100000"/>
+              </a:lnSpc>
               <a:buSzPct val="45000"/>
               <a:buFont typeface="StarSymbol"/>
-              <a:buChar char=""/>
+              <a:buChar char="l"/>
             </a:pPr>
             <a:r>
               <a:rPr lang="fr-FR" sz="3600">
@@ -3921,6 +3644,11 @@
             <a:endParaRPr/>
           </a:p>
           <a:p>
+            <a:pPr>
+              <a:lnSpc>
+                <a:spcPct val="100000"/>
+              </a:lnSpc>
+            </a:pPr>
             <a:r>
               <a:rPr lang="fr-FR" sz="3600">
                 <a:latin typeface="Kozuka Gothic Pr6N L"/>
@@ -3936,6 +3664,11 @@
             <a:endParaRPr/>
           </a:p>
           <a:p>
+            <a:pPr>
+              <a:lnSpc>
+                <a:spcPct val="100000"/>
+              </a:lnSpc>
+            </a:pPr>
             <a:r>
               <a:rPr b="1" lang="fr-FR" sz="3600">
                 <a:latin typeface="Kozuka Gothic Pr6N L"/>
@@ -3958,9 +3691,12 @@
           </a:p>
           <a:p>
             <a:pPr>
+              <a:lnSpc>
+                <a:spcPct val="100000"/>
+              </a:lnSpc>
               <a:buSzPct val="45000"/>
               <a:buFont typeface="StarSymbol"/>
-              <a:buChar char=""/>
+              <a:buChar char="l"/>
             </a:pPr>
             <a:r>
               <a:rPr lang="fr-FR" sz="3600">
@@ -3972,9 +3708,12 @@
           </a:p>
           <a:p>
             <a:pPr>
+              <a:lnSpc>
+                <a:spcPct val="100000"/>
+              </a:lnSpc>
               <a:buSzPct val="45000"/>
               <a:buFont typeface="StarSymbol"/>
-              <a:buChar char=""/>
+              <a:buChar char="l"/>
             </a:pPr>
             <a:r>
               <a:rPr lang="fr-FR" sz="3600">
@@ -3985,6 +3724,11 @@
             <a:endParaRPr/>
           </a:p>
           <a:p>
+            <a:pPr>
+              <a:lnSpc>
+                <a:spcPct val="100000"/>
+              </a:lnSpc>
+            </a:pPr>
             <a:r>
               <a:rPr b="1" lang="fr-FR" sz="3600">
                 <a:latin typeface="Kozuka Gothic Pr6N L"/>
@@ -4007,9 +3751,12 @@
           </a:p>
           <a:p>
             <a:pPr>
+              <a:lnSpc>
+                <a:spcPct val="100000"/>
+              </a:lnSpc>
               <a:buSzPct val="45000"/>
               <a:buFont typeface="StarSymbol"/>
-              <a:buChar char=""/>
+              <a:buChar char="l"/>
             </a:pPr>
             <a:r>
               <a:rPr lang="fr-FR" sz="3600">
@@ -4020,6 +3767,11 @@
             <a:endParaRPr/>
           </a:p>
           <a:p>
+            <a:pPr>
+              <a:lnSpc>
+                <a:spcPct val="100000"/>
+              </a:lnSpc>
+            </a:pPr>
             <a:r>
               <a:rPr lang="fr-FR" sz="3600">
                 <a:latin typeface="Kozuka Gothic Pr6N L"/>
@@ -4035,6 +3787,11 @@
             <a:endParaRPr/>
           </a:p>
           <a:p>
+            <a:pPr>
+              <a:lnSpc>
+                <a:spcPct val="100000"/>
+              </a:lnSpc>
+            </a:pPr>
             <a:r>
               <a:rPr b="1" lang="fr-FR" sz="3600">
                 <a:latin typeface="Kozuka Gothic Pr6N L"/>
@@ -4057,9 +3814,12 @@
           </a:p>
           <a:p>
             <a:pPr>
+              <a:lnSpc>
+                <a:spcPct val="100000"/>
+              </a:lnSpc>
               <a:buSzPct val="45000"/>
               <a:buFont typeface="StarSymbol"/>
-              <a:buChar char=""/>
+              <a:buChar char="l"/>
             </a:pPr>
             <a:r>
               <a:rPr lang="fr-FR" sz="3600">
@@ -4070,20 +3830,25 @@
             <a:endParaRPr/>
           </a:p>
           <a:p>
-            <a:endParaRPr/>
-          </a:p>
-        </p:txBody>
-      </p:sp>
-      <p:sp>
-        <p:nvSpPr>
-          <p:cNvPr id="105" name="CustomShape 3"/>
+            <a:pPr>
+              <a:lnSpc>
+                <a:spcPct val="100000"/>
+              </a:lnSpc>
+            </a:pPr>
+            <a:endParaRPr/>
+          </a:p>
+        </p:txBody>
+      </p:sp>
+      <p:sp>
+        <p:nvSpPr>
+          <p:cNvPr id="99" name="CustomShape 3"/>
           <p:cNvSpPr/>
           <p:nvPr/>
         </p:nvSpPr>
         <p:spPr>
           <a:xfrm>
             <a:off x="6336000" y="1008000"/>
-            <a:ext cx="936000" cy="5688000"/>
+            <a:ext cx="935640" cy="5687640"/>
           </a:xfrm>
           <a:prstGeom prst="chevron">
             <a:avLst>
@@ -4102,14 +3867,14 @@
       </p:sp>
       <p:sp>
         <p:nvSpPr>
-          <p:cNvPr id="106" name="TextShape 4"/>
-          <p:cNvSpPr txBox="1"/>
+          <p:cNvPr id="100" name="CustomShape 4"/>
+          <p:cNvSpPr/>
           <p:nvPr/>
         </p:nvSpPr>
         <p:spPr>
           <a:xfrm>
             <a:off x="7344000" y="3240000"/>
-            <a:ext cx="1512000" cy="770040"/>
+            <a:ext cx="1511640" cy="769680"/>
           </a:xfrm>
           <a:prstGeom prst="rect">
             <a:avLst/>
@@ -4193,21 +3958,21 @@
       </p:grpSpPr>
       <p:sp>
         <p:nvSpPr>
-          <p:cNvPr id="107" name="TextShape 1"/>
-          <p:cNvSpPr txBox="1"/>
+          <p:cNvPr id="101" name="CustomShape 1"/>
+          <p:cNvSpPr/>
           <p:nvPr/>
         </p:nvSpPr>
         <p:spPr>
           <a:xfrm>
             <a:off x="457200" y="81360"/>
-            <a:ext cx="8229240" cy="854640"/>
-          </a:xfrm>
-          <a:prstGeom prst="rect">
-            <a:avLst/>
-          </a:prstGeom>
-        </p:spPr>
-        <p:txBody>
-          <a:bodyPr anchor="ctr"/>
+            <a:ext cx="8228880" cy="854280"/>
+          </a:xfrm>
+          <a:prstGeom prst="rect">
+            <a:avLst/>
+          </a:prstGeom>
+        </p:spPr>
+        <p:txBody>
+          <a:bodyPr anchor="ctr" bIns="45000" lIns="90000" rIns="90000" tIns="45000"/>
           <a:p>
             <a:pPr algn="ctr">
               <a:lnSpc>
@@ -4230,14 +3995,14 @@
       </p:sp>
       <p:sp>
         <p:nvSpPr>
-          <p:cNvPr id="108" name="TextShape 2"/>
-          <p:cNvSpPr txBox="1"/>
+          <p:cNvPr id="102" name="CustomShape 2"/>
+          <p:cNvSpPr/>
           <p:nvPr/>
         </p:nvSpPr>
         <p:spPr>
           <a:xfrm>
             <a:off x="1296000" y="1813680"/>
-            <a:ext cx="6264000" cy="346320"/>
+            <a:ext cx="6263640" cy="345960"/>
           </a:xfrm>
           <a:prstGeom prst="rect">
             <a:avLst/>
@@ -4247,9 +4012,12 @@
           <a:bodyPr bIns="45000" lIns="90000" rIns="90000" tIns="45000" wrap="none"/>
           <a:p>
             <a:pPr>
+              <a:lnSpc>
+                <a:spcPct val="100000"/>
+              </a:lnSpc>
               <a:buSzPct val="45000"/>
               <a:buFont typeface="StarSymbol"/>
-              <a:buChar char=""/>
+              <a:buChar char="l"/>
             </a:pPr>
             <a:r>
               <a:rPr lang="fr-FR"/>
@@ -4261,7 +4029,7 @@
       </p:sp>
       <p:pic>
         <p:nvPicPr>
-          <p:cNvPr descr="" id="109" name=""/>
+          <p:cNvPr descr="" id="103" name=""/>
           <p:cNvPicPr/>
           <p:nvPr/>
         </p:nvPicPr>
@@ -4274,7 +4042,7 @@
         <p:spPr>
           <a:xfrm>
             <a:off x="1007280" y="3018240"/>
-            <a:ext cx="6735960" cy="1013760"/>
+            <a:ext cx="6735600" cy="1013400"/>
           </a:xfrm>
           <a:prstGeom prst="rect">
             <a:avLst/>
@@ -4341,21 +4109,21 @@
       </p:grpSpPr>
       <p:sp>
         <p:nvSpPr>
-          <p:cNvPr id="110" name="TextShape 1"/>
-          <p:cNvSpPr txBox="1"/>
+          <p:cNvPr id="104" name="CustomShape 1"/>
+          <p:cNvSpPr/>
           <p:nvPr/>
         </p:nvSpPr>
         <p:spPr>
           <a:xfrm>
             <a:off x="457200" y="274680"/>
-            <a:ext cx="8229240" cy="1142640"/>
-          </a:xfrm>
-          <a:prstGeom prst="rect">
-            <a:avLst/>
-          </a:prstGeom>
-        </p:spPr>
-        <p:txBody>
-          <a:bodyPr anchor="ctr"/>
+            <a:ext cx="8228880" cy="1142280"/>
+          </a:xfrm>
+          <a:prstGeom prst="rect">
+            <a:avLst/>
+          </a:prstGeom>
+        </p:spPr>
+        <p:txBody>
+          <a:bodyPr anchor="ctr" bIns="45000" lIns="90000" rIns="90000" tIns="45000"/>
           <a:p>
             <a:pPr algn="ctr">
               <a:lnSpc>
@@ -4376,6 +4144,28 @@
           </a:p>
         </p:txBody>
       </p:sp>
+      <p:pic>
+        <p:nvPicPr>
+          <p:cNvPr descr="" id="105" name=""/>
+          <p:cNvPicPr/>
+          <p:nvPr/>
+        </p:nvPicPr>
+        <p:blipFill>
+          <a:blip r:embed="rId1"/>
+          <a:stretch>
+            <a:fillRect/>
+          </a:stretch>
+        </p:blipFill>
+        <p:spPr>
+          <a:xfrm>
+            <a:off x="1800000" y="1353240"/>
+            <a:ext cx="5904000" cy="5126760"/>
+          </a:xfrm>
+          <a:prstGeom prst="rect">
+            <a:avLst/>
+          </a:prstGeom>
+        </p:spPr>
+      </p:pic>
     </p:spTree>
   </p:cSld>
   <p:timing>
@@ -4436,21 +4226,21 @@
       </p:grpSpPr>
       <p:sp>
         <p:nvSpPr>
-          <p:cNvPr id="111" name="TextShape 1"/>
-          <p:cNvSpPr txBox="1"/>
+          <p:cNvPr id="106" name="CustomShape 1"/>
+          <p:cNvSpPr/>
           <p:nvPr/>
         </p:nvSpPr>
         <p:spPr>
           <a:xfrm>
             <a:off x="457200" y="81360"/>
-            <a:ext cx="8229240" cy="854640"/>
-          </a:xfrm>
-          <a:prstGeom prst="rect">
-            <a:avLst/>
-          </a:prstGeom>
-        </p:spPr>
-        <p:txBody>
-          <a:bodyPr anchor="ctr"/>
+            <a:ext cx="8228880" cy="854280"/>
+          </a:xfrm>
+          <a:prstGeom prst="rect">
+            <a:avLst/>
+          </a:prstGeom>
+        </p:spPr>
+        <p:txBody>
+          <a:bodyPr anchor="ctr" bIns="45000" lIns="90000" rIns="90000" tIns="45000"/>
           <a:p>
             <a:pPr algn="ctr">
               <a:lnSpc>
@@ -4473,7 +4263,7 @@
       </p:sp>
       <p:pic>
         <p:nvPicPr>
-          <p:cNvPr descr="" id="112" name=""/>
+          <p:cNvPr descr="" id="107" name=""/>
           <p:cNvPicPr/>
           <p:nvPr/>
         </p:nvPicPr>
@@ -4486,7 +4276,7 @@
         <p:spPr>
           <a:xfrm>
             <a:off x="792000" y="1049040"/>
-            <a:ext cx="7632000" cy="5520600"/>
+            <a:ext cx="7631640" cy="5520240"/>
           </a:xfrm>
           <a:prstGeom prst="rect">
             <a:avLst/>
@@ -4553,21 +4343,21 @@
       </p:grpSpPr>
       <p:sp>
         <p:nvSpPr>
-          <p:cNvPr id="113" name="TextShape 1"/>
-          <p:cNvSpPr txBox="1"/>
+          <p:cNvPr id="108" name="CustomShape 1"/>
+          <p:cNvSpPr/>
           <p:nvPr/>
         </p:nvSpPr>
         <p:spPr>
           <a:xfrm>
             <a:off x="457200" y="274680"/>
-            <a:ext cx="8229240" cy="1142640"/>
-          </a:xfrm>
-          <a:prstGeom prst="rect">
-            <a:avLst/>
-          </a:prstGeom>
-        </p:spPr>
-        <p:txBody>
-          <a:bodyPr anchor="ctr"/>
+            <a:ext cx="8228880" cy="1142280"/>
+          </a:xfrm>
+          <a:prstGeom prst="rect">
+            <a:avLst/>
+          </a:prstGeom>
+        </p:spPr>
+        <p:txBody>
+          <a:bodyPr anchor="ctr" bIns="45000" lIns="90000" rIns="90000" tIns="45000"/>
           <a:p>
             <a:pPr algn="ctr">
               <a:lnSpc>
@@ -4590,21 +4380,21 @@
       </p:sp>
       <p:sp>
         <p:nvSpPr>
-          <p:cNvPr id="114" name="TextShape 2"/>
-          <p:cNvSpPr txBox="1"/>
+          <p:cNvPr id="109" name="CustomShape 2"/>
+          <p:cNvSpPr/>
           <p:nvPr/>
         </p:nvSpPr>
         <p:spPr>
           <a:xfrm>
             <a:off x="457200" y="1600200"/>
-            <a:ext cx="8229240" cy="4924800"/>
-          </a:xfrm>
-          <a:prstGeom prst="rect">
-            <a:avLst/>
-          </a:prstGeom>
-        </p:spPr>
-        <p:txBody>
-          <a:bodyPr/>
+            <a:ext cx="8228880" cy="4924440"/>
+          </a:xfrm>
+          <a:prstGeom prst="rect">
+            <a:avLst/>
+          </a:prstGeom>
+        </p:spPr>
+        <p:txBody>
+          <a:bodyPr bIns="45000" lIns="90000" rIns="90000" tIns="45000"/>
           <a:p>
             <a:pPr>
               <a:lnSpc>
@@ -4730,14 +4520,14 @@
       </p:sp>
       <p:sp>
         <p:nvSpPr>
-          <p:cNvPr id="115" name="CustomShape 3"/>
+          <p:cNvPr id="110" name="CustomShape 3"/>
           <p:cNvSpPr/>
           <p:nvPr/>
         </p:nvSpPr>
         <p:spPr>
           <a:xfrm>
             <a:off x="827640" y="2061000"/>
-            <a:ext cx="3707640" cy="1461240"/>
+            <a:ext cx="3707280" cy="1460880"/>
           </a:xfrm>
           <a:prstGeom prst="rect">
             <a:avLst/>
@@ -4825,14 +4615,14 @@
       </p:sp>
       <p:sp>
         <p:nvSpPr>
-          <p:cNvPr id="116" name="CustomShape 4"/>
+          <p:cNvPr id="111" name="CustomShape 4"/>
           <p:cNvSpPr/>
           <p:nvPr/>
         </p:nvSpPr>
         <p:spPr>
           <a:xfrm>
             <a:off x="864000" y="3945960"/>
-            <a:ext cx="5795640" cy="1186920"/>
+            <a:ext cx="5795280" cy="1186560"/>
           </a:xfrm>
           <a:prstGeom prst="rect">
             <a:avLst/>
@@ -4901,14 +4691,14 @@
       </p:sp>
       <p:sp>
         <p:nvSpPr>
-          <p:cNvPr id="117" name="CustomShape 5"/>
+          <p:cNvPr id="112" name="CustomShape 5"/>
           <p:cNvSpPr/>
           <p:nvPr/>
         </p:nvSpPr>
         <p:spPr>
           <a:xfrm>
             <a:off x="896400" y="5445360"/>
-            <a:ext cx="6771600" cy="913320"/>
+            <a:ext cx="6771240" cy="912960"/>
           </a:xfrm>
           <a:prstGeom prst="rect">
             <a:avLst/>
@@ -5006,21 +4796,21 @@
       </p:grpSpPr>
       <p:sp>
         <p:nvSpPr>
-          <p:cNvPr id="118" name="TextShape 1"/>
-          <p:cNvSpPr txBox="1"/>
+          <p:cNvPr id="113" name="CustomShape 1"/>
+          <p:cNvSpPr/>
           <p:nvPr/>
         </p:nvSpPr>
         <p:spPr>
           <a:xfrm>
             <a:off x="457200" y="274680"/>
-            <a:ext cx="8229240" cy="1142640"/>
-          </a:xfrm>
-          <a:prstGeom prst="rect">
-            <a:avLst/>
-          </a:prstGeom>
-        </p:spPr>
-        <p:txBody>
-          <a:bodyPr anchor="ctr"/>
+            <a:ext cx="8228880" cy="1142280"/>
+          </a:xfrm>
+          <a:prstGeom prst="rect">
+            <a:avLst/>
+          </a:prstGeom>
+        </p:spPr>
+        <p:txBody>
+          <a:bodyPr anchor="ctr" bIns="45000" lIns="90000" rIns="90000" tIns="45000"/>
           <a:p>
             <a:pPr algn="ctr">
               <a:lnSpc>
@@ -5043,21 +4833,21 @@
       </p:sp>
       <p:sp>
         <p:nvSpPr>
-          <p:cNvPr id="119" name="TextShape 2"/>
-          <p:cNvSpPr txBox="1"/>
+          <p:cNvPr id="114" name="CustomShape 2"/>
+          <p:cNvSpPr/>
           <p:nvPr/>
         </p:nvSpPr>
         <p:spPr>
           <a:xfrm>
             <a:off x="395640" y="1306080"/>
-            <a:ext cx="8229240" cy="4138920"/>
-          </a:xfrm>
-          <a:prstGeom prst="rect">
-            <a:avLst/>
-          </a:prstGeom>
-        </p:spPr>
-        <p:txBody>
-          <a:bodyPr/>
+            <a:ext cx="8228880" cy="4138560"/>
+          </a:xfrm>
+          <a:prstGeom prst="rect">
+            <a:avLst/>
+          </a:prstGeom>
+        </p:spPr>
+        <p:txBody>
+          <a:bodyPr bIns="45000" lIns="90000" rIns="90000" tIns="45000"/>
           <a:p>
             <a:pPr>
               <a:lnSpc>
@@ -5170,14 +4960,14 @@
       </p:sp>
       <p:sp>
         <p:nvSpPr>
-          <p:cNvPr id="120" name="CustomShape 3"/>
+          <p:cNvPr id="115" name="CustomShape 3"/>
           <p:cNvSpPr/>
           <p:nvPr/>
         </p:nvSpPr>
         <p:spPr>
           <a:xfrm>
             <a:off x="971640" y="1917000"/>
-            <a:ext cx="3707640" cy="1461960"/>
+            <a:ext cx="3707280" cy="1461600"/>
           </a:xfrm>
           <a:prstGeom prst="rect">
             <a:avLst/>
@@ -5284,14 +5074,14 @@
       </p:sp>
       <p:sp>
         <p:nvSpPr>
-          <p:cNvPr id="121" name="CustomShape 4"/>
+          <p:cNvPr id="116" name="CustomShape 4"/>
           <p:cNvSpPr/>
           <p:nvPr/>
         </p:nvSpPr>
         <p:spPr>
           <a:xfrm>
             <a:off x="1001880" y="4150800"/>
-            <a:ext cx="7962120" cy="639000"/>
+            <a:ext cx="7961760" cy="638640"/>
           </a:xfrm>
           <a:prstGeom prst="rect">
             <a:avLst/>
@@ -5348,14 +5138,14 @@
       </p:sp>
       <p:sp>
         <p:nvSpPr>
-          <p:cNvPr id="122" name="CustomShape 5"/>
+          <p:cNvPr id="117" name="CustomShape 5"/>
           <p:cNvSpPr/>
           <p:nvPr/>
         </p:nvSpPr>
         <p:spPr>
           <a:xfrm>
             <a:off x="1001880" y="5517360"/>
-            <a:ext cx="7962120" cy="913320"/>
+            <a:ext cx="7961760" cy="912960"/>
           </a:xfrm>
           <a:prstGeom prst="rect">
             <a:avLst/>
@@ -5453,21 +5243,21 @@
       </p:grpSpPr>
       <p:sp>
         <p:nvSpPr>
-          <p:cNvPr id="123" name="TextShape 1"/>
-          <p:cNvSpPr txBox="1"/>
+          <p:cNvPr id="118" name="CustomShape 1"/>
+          <p:cNvSpPr/>
           <p:nvPr/>
         </p:nvSpPr>
         <p:spPr>
           <a:xfrm>
             <a:off x="457200" y="274680"/>
-            <a:ext cx="8229240" cy="1142640"/>
-          </a:xfrm>
-          <a:prstGeom prst="rect">
-            <a:avLst/>
-          </a:prstGeom>
-        </p:spPr>
-        <p:txBody>
-          <a:bodyPr anchor="ctr"/>
+            <a:ext cx="8228880" cy="1142280"/>
+          </a:xfrm>
+          <a:prstGeom prst="rect">
+            <a:avLst/>
+          </a:prstGeom>
+        </p:spPr>
+        <p:txBody>
+          <a:bodyPr anchor="ctr" bIns="45000" lIns="90000" rIns="90000" tIns="45000"/>
           <a:p>
             <a:pPr algn="ctr">
               <a:lnSpc>
@@ -5490,21 +5280,21 @@
       </p:sp>
       <p:sp>
         <p:nvSpPr>
-          <p:cNvPr id="124" name="TextShape 2"/>
-          <p:cNvSpPr txBox="1"/>
+          <p:cNvPr id="119" name="CustomShape 2"/>
+          <p:cNvSpPr/>
           <p:nvPr/>
         </p:nvSpPr>
         <p:spPr>
           <a:xfrm>
             <a:off x="457200" y="1600200"/>
-            <a:ext cx="8229240" cy="4525560"/>
-          </a:xfrm>
-          <a:prstGeom prst="rect">
-            <a:avLst/>
-          </a:prstGeom>
-        </p:spPr>
-        <p:txBody>
-          <a:bodyPr/>
+            <a:ext cx="8228880" cy="4525200"/>
+          </a:xfrm>
+          <a:prstGeom prst="rect">
+            <a:avLst/>
+          </a:prstGeom>
+        </p:spPr>
+        <p:txBody>
+          <a:bodyPr bIns="45000" lIns="90000" rIns="90000" tIns="45000"/>
           <a:p>
             <a:pPr>
               <a:lnSpc>
@@ -5529,14 +5319,14 @@
       </p:sp>
       <p:sp>
         <p:nvSpPr>
-          <p:cNvPr id="125" name="CustomShape 3"/>
+          <p:cNvPr id="120" name="CustomShape 3"/>
           <p:cNvSpPr/>
           <p:nvPr/>
         </p:nvSpPr>
         <p:spPr>
           <a:xfrm>
             <a:off x="1043640" y="2277000"/>
-            <a:ext cx="7128360" cy="1187640"/>
+            <a:ext cx="7128000" cy="1187280"/>
           </a:xfrm>
           <a:prstGeom prst="rect">
             <a:avLst/>
@@ -5653,21 +5443,21 @@
       </p:grpSpPr>
       <p:sp>
         <p:nvSpPr>
-          <p:cNvPr id="126" name="TextShape 1"/>
-          <p:cNvSpPr txBox="1"/>
+          <p:cNvPr id="121" name="CustomShape 1"/>
+          <p:cNvSpPr/>
           <p:nvPr/>
         </p:nvSpPr>
         <p:spPr>
           <a:xfrm>
             <a:off x="457200" y="274680"/>
-            <a:ext cx="8229240" cy="1142640"/>
-          </a:xfrm>
-          <a:prstGeom prst="rect">
-            <a:avLst/>
-          </a:prstGeom>
-        </p:spPr>
-        <p:txBody>
-          <a:bodyPr anchor="ctr"/>
+            <a:ext cx="8228880" cy="1142280"/>
+          </a:xfrm>
+          <a:prstGeom prst="rect">
+            <a:avLst/>
+          </a:prstGeom>
+        </p:spPr>
+        <p:txBody>
+          <a:bodyPr anchor="ctr" bIns="45000" lIns="90000" rIns="90000" tIns="45000"/>
           <a:p>
             <a:pPr algn="ctr">
               <a:lnSpc>
@@ -5690,7 +5480,7 @@
       </p:sp>
       <p:pic>
         <p:nvPicPr>
-          <p:cNvPr descr="" id="127" name="Espace réservé du contenu 3"/>
+          <p:cNvPr descr="" id="122" name="Espace réservé du contenu 3"/>
           <p:cNvPicPr/>
           <p:nvPr/>
         </p:nvPicPr>
@@ -5703,7 +5493,7 @@
         <p:spPr>
           <a:xfrm>
             <a:off x="1502280" y="1600200"/>
-            <a:ext cx="6139080" cy="4525560"/>
+            <a:ext cx="6138720" cy="4525200"/>
           </a:xfrm>
           <a:prstGeom prst="rect">
             <a:avLst/>
@@ -5741,21 +5531,21 @@
       </p:grpSpPr>
       <p:sp>
         <p:nvSpPr>
-          <p:cNvPr id="77" name="TextShape 1"/>
-          <p:cNvSpPr txBox="1"/>
+          <p:cNvPr id="71" name="CustomShape 1"/>
+          <p:cNvSpPr/>
           <p:nvPr/>
         </p:nvSpPr>
         <p:spPr>
           <a:xfrm>
             <a:off x="457200" y="274680"/>
-            <a:ext cx="8229240" cy="1142640"/>
-          </a:xfrm>
-          <a:prstGeom prst="rect">
-            <a:avLst/>
-          </a:prstGeom>
-        </p:spPr>
-        <p:txBody>
-          <a:bodyPr anchor="ctr"/>
+            <a:ext cx="8228880" cy="1142280"/>
+          </a:xfrm>
+          <a:prstGeom prst="rect">
+            <a:avLst/>
+          </a:prstGeom>
+        </p:spPr>
+        <p:txBody>
+          <a:bodyPr anchor="ctr" bIns="45000" lIns="90000" rIns="90000" tIns="45000"/>
           <a:p>
             <a:pPr algn="ctr">
               <a:lnSpc>
@@ -5778,21 +5568,21 @@
       </p:sp>
       <p:sp>
         <p:nvSpPr>
-          <p:cNvPr id="78" name="TextShape 2"/>
-          <p:cNvSpPr txBox="1"/>
+          <p:cNvPr id="72" name="CustomShape 2"/>
+          <p:cNvSpPr/>
           <p:nvPr/>
         </p:nvSpPr>
         <p:spPr>
           <a:xfrm>
             <a:off x="467640" y="1340640"/>
-            <a:ext cx="7848360" cy="5314680"/>
-          </a:xfrm>
-          <a:prstGeom prst="rect">
-            <a:avLst/>
-          </a:prstGeom>
-        </p:spPr>
-        <p:txBody>
-          <a:bodyPr/>
+            <a:ext cx="7848000" cy="5314320"/>
+          </a:xfrm>
+          <a:prstGeom prst="rect">
+            <a:avLst/>
+          </a:prstGeom>
+        </p:spPr>
+        <p:txBody>
+          <a:bodyPr bIns="45000" lIns="90000" rIns="90000" tIns="45000"/>
           <a:p>
             <a:pPr>
               <a:lnSpc>
@@ -6117,64 +5907,64 @@
       </p:sp>
       <p:sp>
         <p:nvSpPr>
-          <p:cNvPr id="79" name="CustomShape 3"/>
+          <p:cNvPr id="73" name="CustomShape 3"/>
           <p:cNvSpPr/>
           <p:nvPr/>
         </p:nvSpPr>
         <p:spPr>
           <a:xfrm>
             <a:off x="5292000" y="1556640"/>
-            <a:ext cx="3394440" cy="2116440"/>
-          </a:xfrm>
-          <a:prstGeom prst="rect">
-            <a:avLst/>
-          </a:prstGeom>
-        </p:spPr>
-        <p:txBody>
-          <a:bodyPr/>
-          <a:p>
-            <a:pPr>
-              <a:lnSpc>
-                <a:spcPct val="100000"/>
-              </a:lnSpc>
-            </a:pPr>
-            <a:endParaRPr/>
-          </a:p>
-          <a:p>
-            <a:pPr>
-              <a:lnSpc>
-                <a:spcPct val="100000"/>
-              </a:lnSpc>
-            </a:pPr>
-            <a:endParaRPr/>
-          </a:p>
-          <a:p>
-            <a:pPr>
-              <a:lnSpc>
-                <a:spcPct val="100000"/>
-              </a:lnSpc>
-            </a:pPr>
-            <a:endParaRPr/>
-          </a:p>
-        </p:txBody>
-      </p:sp>
-      <p:sp>
-        <p:nvSpPr>
-          <p:cNvPr id="80" name="CustomShape 4"/>
+            <a:ext cx="3394080" cy="2116080"/>
+          </a:xfrm>
+          <a:prstGeom prst="rect">
+            <a:avLst/>
+          </a:prstGeom>
+        </p:spPr>
+        <p:txBody>
+          <a:bodyPr bIns="45000" lIns="90000" rIns="90000" tIns="45000"/>
+          <a:p>
+            <a:pPr>
+              <a:lnSpc>
+                <a:spcPct val="100000"/>
+              </a:lnSpc>
+            </a:pPr>
+            <a:endParaRPr/>
+          </a:p>
+          <a:p>
+            <a:pPr>
+              <a:lnSpc>
+                <a:spcPct val="100000"/>
+              </a:lnSpc>
+            </a:pPr>
+            <a:endParaRPr/>
+          </a:p>
+          <a:p>
+            <a:pPr>
+              <a:lnSpc>
+                <a:spcPct val="100000"/>
+              </a:lnSpc>
+            </a:pPr>
+            <a:endParaRPr/>
+          </a:p>
+        </p:txBody>
+      </p:sp>
+      <p:sp>
+        <p:nvSpPr>
+          <p:cNvPr id="74" name="CustomShape 4"/>
           <p:cNvSpPr/>
           <p:nvPr/>
         </p:nvSpPr>
         <p:spPr>
           <a:xfrm>
             <a:off x="5296680" y="3861000"/>
-            <a:ext cx="4032000" cy="1839960"/>
-          </a:xfrm>
-          <a:prstGeom prst="rect">
-            <a:avLst/>
-          </a:prstGeom>
-        </p:spPr>
-        <p:txBody>
-          <a:bodyPr/>
+            <a:ext cx="4031640" cy="1839600"/>
+          </a:xfrm>
+          <a:prstGeom prst="rect">
+            <a:avLst/>
+          </a:prstGeom>
+        </p:spPr>
+        <p:txBody>
+          <a:bodyPr bIns="45000" lIns="90000" rIns="90000" tIns="45000"/>
           <a:p>
             <a:pPr>
               <a:lnSpc>
@@ -6232,21 +6022,21 @@
       </p:grpSpPr>
       <p:sp>
         <p:nvSpPr>
-          <p:cNvPr id="128" name="TextShape 1"/>
-          <p:cNvSpPr txBox="1"/>
+          <p:cNvPr id="123" name="CustomShape 1"/>
+          <p:cNvSpPr/>
           <p:nvPr/>
         </p:nvSpPr>
         <p:spPr>
           <a:xfrm>
             <a:off x="457200" y="274680"/>
-            <a:ext cx="8229240" cy="1142640"/>
-          </a:xfrm>
-          <a:prstGeom prst="rect">
-            <a:avLst/>
-          </a:prstGeom>
-        </p:spPr>
-        <p:txBody>
-          <a:bodyPr anchor="ctr"/>
+            <a:ext cx="8228880" cy="1142280"/>
+          </a:xfrm>
+          <a:prstGeom prst="rect">
+            <a:avLst/>
+          </a:prstGeom>
+        </p:spPr>
+        <p:txBody>
+          <a:bodyPr anchor="ctr" bIns="45000" lIns="90000" rIns="90000" tIns="45000"/>
           <a:p>
             <a:pPr algn="ctr">
               <a:lnSpc>
@@ -6269,25 +6059,19 @@
       </p:sp>
       <p:sp>
         <p:nvSpPr>
-          <p:cNvPr id="129" name="TextShape 2"/>
-          <p:cNvSpPr txBox="1"/>
+          <p:cNvPr id="124" name="CustomShape 2"/>
+          <p:cNvSpPr/>
           <p:nvPr/>
         </p:nvSpPr>
         <p:spPr>
           <a:xfrm>
             <a:off x="457200" y="1600200"/>
-            <a:ext cx="8229240" cy="4525560"/>
-          </a:xfrm>
-          <a:prstGeom prst="rect">
-            <a:avLst/>
-          </a:prstGeom>
-        </p:spPr>
-        <p:txBody>
-          <a:bodyPr/>
-          <a:p>
-            <a:endParaRPr/>
-          </a:p>
-        </p:txBody>
+            <a:ext cx="8228880" cy="4525200"/>
+          </a:xfrm>
+          <a:prstGeom prst="rect">
+            <a:avLst/>
+          </a:prstGeom>
+        </p:spPr>
       </p:sp>
     </p:spTree>
   </p:cSld>
@@ -6320,21 +6104,21 @@
       </p:grpSpPr>
       <p:sp>
         <p:nvSpPr>
-          <p:cNvPr id="130" name="TextShape 1"/>
-          <p:cNvSpPr txBox="1"/>
+          <p:cNvPr id="125" name="CustomShape 1"/>
+          <p:cNvSpPr/>
           <p:nvPr/>
         </p:nvSpPr>
         <p:spPr>
           <a:xfrm>
             <a:off x="457200" y="274680"/>
-            <a:ext cx="8229240" cy="1142640"/>
-          </a:xfrm>
-          <a:prstGeom prst="rect">
-            <a:avLst/>
-          </a:prstGeom>
-        </p:spPr>
-        <p:txBody>
-          <a:bodyPr anchor="ctr"/>
+            <a:ext cx="8228880" cy="1142280"/>
+          </a:xfrm>
+          <a:prstGeom prst="rect">
+            <a:avLst/>
+          </a:prstGeom>
+        </p:spPr>
+        <p:txBody>
+          <a:bodyPr anchor="ctr" bIns="45000" lIns="90000" rIns="90000" tIns="45000"/>
           <a:p>
             <a:pPr algn="ctr">
               <a:lnSpc>
@@ -6357,25 +6141,19 @@
       </p:sp>
       <p:sp>
         <p:nvSpPr>
-          <p:cNvPr id="131" name="TextShape 2"/>
-          <p:cNvSpPr txBox="1"/>
+          <p:cNvPr id="126" name="CustomShape 2"/>
+          <p:cNvSpPr/>
           <p:nvPr/>
         </p:nvSpPr>
         <p:spPr>
           <a:xfrm>
             <a:off x="457200" y="1600200"/>
-            <a:ext cx="8229240" cy="4525560"/>
-          </a:xfrm>
-          <a:prstGeom prst="rect">
-            <a:avLst/>
-          </a:prstGeom>
-        </p:spPr>
-        <p:txBody>
-          <a:bodyPr/>
-          <a:p>
-            <a:endParaRPr/>
-          </a:p>
-        </p:txBody>
+            <a:ext cx="8228880" cy="4525200"/>
+          </a:xfrm>
+          <a:prstGeom prst="rect">
+            <a:avLst/>
+          </a:prstGeom>
+        </p:spPr>
       </p:sp>
     </p:spTree>
   </p:cSld>
@@ -6408,21 +6186,21 @@
       </p:grpSpPr>
       <p:sp>
         <p:nvSpPr>
-          <p:cNvPr id="132" name="TextShape 1"/>
-          <p:cNvSpPr txBox="1"/>
+          <p:cNvPr id="127" name="CustomShape 1"/>
+          <p:cNvSpPr/>
           <p:nvPr/>
         </p:nvSpPr>
         <p:spPr>
           <a:xfrm>
             <a:off x="457200" y="274680"/>
-            <a:ext cx="8229240" cy="1142640"/>
-          </a:xfrm>
-          <a:prstGeom prst="rect">
-            <a:avLst/>
-          </a:prstGeom>
-        </p:spPr>
-        <p:txBody>
-          <a:bodyPr anchor="ctr"/>
+            <a:ext cx="8228880" cy="1142280"/>
+          </a:xfrm>
+          <a:prstGeom prst="rect">
+            <a:avLst/>
+          </a:prstGeom>
+        </p:spPr>
+        <p:txBody>
+          <a:bodyPr anchor="ctr" bIns="45000" lIns="90000" rIns="90000" tIns="45000"/>
           <a:p>
             <a:pPr algn="ctr">
               <a:lnSpc>
@@ -6445,25 +6223,19 @@
       </p:sp>
       <p:sp>
         <p:nvSpPr>
-          <p:cNvPr id="133" name="TextShape 2"/>
-          <p:cNvSpPr txBox="1"/>
+          <p:cNvPr id="128" name="CustomShape 2"/>
+          <p:cNvSpPr/>
           <p:nvPr/>
         </p:nvSpPr>
         <p:spPr>
           <a:xfrm>
             <a:off x="457200" y="1600200"/>
-            <a:ext cx="8229240" cy="4525560"/>
-          </a:xfrm>
-          <a:prstGeom prst="rect">
-            <a:avLst/>
-          </a:prstGeom>
-        </p:spPr>
-        <p:txBody>
-          <a:bodyPr/>
-          <a:p>
-            <a:endParaRPr/>
-          </a:p>
-        </p:txBody>
+            <a:ext cx="8228880" cy="4525200"/>
+          </a:xfrm>
+          <a:prstGeom prst="rect">
+            <a:avLst/>
+          </a:prstGeom>
+        </p:spPr>
       </p:sp>
     </p:spTree>
   </p:cSld>
@@ -6496,21 +6268,21 @@
       </p:grpSpPr>
       <p:sp>
         <p:nvSpPr>
-          <p:cNvPr id="134" name="TextShape 1"/>
-          <p:cNvSpPr txBox="1"/>
+          <p:cNvPr id="129" name="CustomShape 1"/>
+          <p:cNvSpPr/>
           <p:nvPr/>
         </p:nvSpPr>
         <p:spPr>
           <a:xfrm>
             <a:off x="457200" y="274680"/>
-            <a:ext cx="8229240" cy="1142640"/>
-          </a:xfrm>
-          <a:prstGeom prst="rect">
-            <a:avLst/>
-          </a:prstGeom>
-        </p:spPr>
-        <p:txBody>
-          <a:bodyPr anchor="ctr"/>
+            <a:ext cx="8228880" cy="1142280"/>
+          </a:xfrm>
+          <a:prstGeom prst="rect">
+            <a:avLst/>
+          </a:prstGeom>
+        </p:spPr>
+        <p:txBody>
+          <a:bodyPr anchor="ctr" bIns="45000" lIns="90000" rIns="90000" tIns="45000"/>
           <a:p>
             <a:pPr algn="ctr">
               <a:lnSpc>
@@ -6533,25 +6305,19 @@
       </p:sp>
       <p:sp>
         <p:nvSpPr>
-          <p:cNvPr id="135" name="TextShape 2"/>
-          <p:cNvSpPr txBox="1"/>
+          <p:cNvPr id="130" name="CustomShape 2"/>
+          <p:cNvSpPr/>
           <p:nvPr/>
         </p:nvSpPr>
         <p:spPr>
           <a:xfrm>
             <a:off x="457200" y="1600200"/>
-            <a:ext cx="8229240" cy="4525560"/>
-          </a:xfrm>
-          <a:prstGeom prst="rect">
-            <a:avLst/>
-          </a:prstGeom>
-        </p:spPr>
-        <p:txBody>
-          <a:bodyPr/>
-          <a:p>
-            <a:endParaRPr/>
-          </a:p>
-        </p:txBody>
+            <a:ext cx="8228880" cy="4525200"/>
+          </a:xfrm>
+          <a:prstGeom prst="rect">
+            <a:avLst/>
+          </a:prstGeom>
+        </p:spPr>
       </p:sp>
     </p:spTree>
   </p:cSld>
@@ -6584,21 +6350,21 @@
       </p:grpSpPr>
       <p:sp>
         <p:nvSpPr>
-          <p:cNvPr id="136" name="TextShape 1"/>
-          <p:cNvSpPr txBox="1"/>
+          <p:cNvPr id="131" name="CustomShape 1"/>
+          <p:cNvSpPr/>
           <p:nvPr/>
         </p:nvSpPr>
         <p:spPr>
           <a:xfrm>
             <a:off x="457200" y="274680"/>
-            <a:ext cx="8229240" cy="1142640"/>
-          </a:xfrm>
-          <a:prstGeom prst="rect">
-            <a:avLst/>
-          </a:prstGeom>
-        </p:spPr>
-        <p:txBody>
-          <a:bodyPr anchor="ctr"/>
+            <a:ext cx="8228880" cy="1142280"/>
+          </a:xfrm>
+          <a:prstGeom prst="rect">
+            <a:avLst/>
+          </a:prstGeom>
+        </p:spPr>
+        <p:txBody>
+          <a:bodyPr anchor="ctr" bIns="45000" lIns="90000" rIns="90000" tIns="45000"/>
           <a:p>
             <a:pPr algn="ctr">
               <a:lnSpc>
@@ -6621,25 +6387,19 @@
       </p:sp>
       <p:sp>
         <p:nvSpPr>
-          <p:cNvPr id="137" name="TextShape 2"/>
-          <p:cNvSpPr txBox="1"/>
+          <p:cNvPr id="132" name="CustomShape 2"/>
+          <p:cNvSpPr/>
           <p:nvPr/>
         </p:nvSpPr>
         <p:spPr>
           <a:xfrm>
             <a:off x="457200" y="1600200"/>
-            <a:ext cx="8229240" cy="4525560"/>
-          </a:xfrm>
-          <a:prstGeom prst="rect">
-            <a:avLst/>
-          </a:prstGeom>
-        </p:spPr>
-        <p:txBody>
-          <a:bodyPr/>
-          <a:p>
-            <a:endParaRPr/>
-          </a:p>
-        </p:txBody>
+            <a:ext cx="8228880" cy="4525200"/>
+          </a:xfrm>
+          <a:prstGeom prst="rect">
+            <a:avLst/>
+          </a:prstGeom>
+        </p:spPr>
       </p:sp>
     </p:spTree>
   </p:cSld>
@@ -6665,21 +6425,21 @@
       </p:grpSpPr>
       <p:sp>
         <p:nvSpPr>
-          <p:cNvPr id="138" name="TextShape 1"/>
-          <p:cNvSpPr txBox="1"/>
+          <p:cNvPr id="133" name="CustomShape 1"/>
+          <p:cNvSpPr/>
           <p:nvPr/>
         </p:nvSpPr>
         <p:spPr>
           <a:xfrm>
             <a:off x="457200" y="274680"/>
-            <a:ext cx="8229240" cy="1142640"/>
-          </a:xfrm>
-          <a:prstGeom prst="rect">
-            <a:avLst/>
-          </a:prstGeom>
-        </p:spPr>
-        <p:txBody>
-          <a:bodyPr anchor="ctr"/>
+            <a:ext cx="8228880" cy="1142280"/>
+          </a:xfrm>
+          <a:prstGeom prst="rect">
+            <a:avLst/>
+          </a:prstGeom>
+        </p:spPr>
+        <p:txBody>
+          <a:bodyPr anchor="ctr" bIns="45000" lIns="90000" rIns="90000" tIns="45000"/>
           <a:p>
             <a:pPr algn="ctr">
               <a:lnSpc>
@@ -6702,25 +6462,19 @@
       </p:sp>
       <p:sp>
         <p:nvSpPr>
-          <p:cNvPr id="139" name="TextShape 2"/>
-          <p:cNvSpPr txBox="1"/>
+          <p:cNvPr id="134" name="CustomShape 2"/>
+          <p:cNvSpPr/>
           <p:nvPr/>
         </p:nvSpPr>
         <p:spPr>
           <a:xfrm>
             <a:off x="457200" y="1600200"/>
-            <a:ext cx="8229240" cy="4525560"/>
-          </a:xfrm>
-          <a:prstGeom prst="rect">
-            <a:avLst/>
-          </a:prstGeom>
-        </p:spPr>
-        <p:txBody>
-          <a:bodyPr/>
-          <a:p>
-            <a:endParaRPr/>
-          </a:p>
-        </p:txBody>
+            <a:ext cx="8228880" cy="4525200"/>
+          </a:xfrm>
+          <a:prstGeom prst="rect">
+            <a:avLst/>
+          </a:prstGeom>
+        </p:spPr>
       </p:sp>
     </p:spTree>
   </p:cSld>
@@ -6746,21 +6500,21 @@
       </p:grpSpPr>
       <p:sp>
         <p:nvSpPr>
-          <p:cNvPr id="140" name="TextShape 1"/>
-          <p:cNvSpPr txBox="1"/>
+          <p:cNvPr id="135" name="CustomShape 1"/>
+          <p:cNvSpPr/>
           <p:nvPr/>
         </p:nvSpPr>
         <p:spPr>
           <a:xfrm>
             <a:off x="457200" y="274680"/>
-            <a:ext cx="8229240" cy="1142640"/>
-          </a:xfrm>
-          <a:prstGeom prst="rect">
-            <a:avLst/>
-          </a:prstGeom>
-        </p:spPr>
-        <p:txBody>
-          <a:bodyPr anchor="ctr"/>
+            <a:ext cx="8228880" cy="1142280"/>
+          </a:xfrm>
+          <a:prstGeom prst="rect">
+            <a:avLst/>
+          </a:prstGeom>
+        </p:spPr>
+        <p:txBody>
+          <a:bodyPr anchor="ctr" bIns="45000" lIns="90000" rIns="90000" tIns="45000"/>
           <a:p>
             <a:pPr algn="ctr">
               <a:lnSpc>
@@ -6783,25 +6537,19 @@
       </p:sp>
       <p:sp>
         <p:nvSpPr>
-          <p:cNvPr id="141" name="TextShape 2"/>
-          <p:cNvSpPr txBox="1"/>
+          <p:cNvPr id="136" name="CustomShape 2"/>
+          <p:cNvSpPr/>
           <p:nvPr/>
         </p:nvSpPr>
         <p:spPr>
           <a:xfrm>
             <a:off x="457200" y="1600200"/>
-            <a:ext cx="8229240" cy="4525560"/>
-          </a:xfrm>
-          <a:prstGeom prst="rect">
-            <a:avLst/>
-          </a:prstGeom>
-        </p:spPr>
-        <p:txBody>
-          <a:bodyPr/>
-          <a:p>
-            <a:endParaRPr/>
-          </a:p>
-        </p:txBody>
+            <a:ext cx="8228880" cy="4525200"/>
+          </a:xfrm>
+          <a:prstGeom prst="rect">
+            <a:avLst/>
+          </a:prstGeom>
+        </p:spPr>
       </p:sp>
     </p:spTree>
   </p:cSld>
@@ -6827,21 +6575,21 @@
       </p:grpSpPr>
       <p:sp>
         <p:nvSpPr>
-          <p:cNvPr id="142" name="TextShape 1"/>
-          <p:cNvSpPr txBox="1"/>
+          <p:cNvPr id="137" name="CustomShape 1"/>
+          <p:cNvSpPr/>
           <p:nvPr/>
         </p:nvSpPr>
         <p:spPr>
           <a:xfrm>
             <a:off x="457200" y="274680"/>
-            <a:ext cx="8229240" cy="1142640"/>
-          </a:xfrm>
-          <a:prstGeom prst="rect">
-            <a:avLst/>
-          </a:prstGeom>
-        </p:spPr>
-        <p:txBody>
-          <a:bodyPr anchor="ctr"/>
+            <a:ext cx="8228880" cy="1142280"/>
+          </a:xfrm>
+          <a:prstGeom prst="rect">
+            <a:avLst/>
+          </a:prstGeom>
+        </p:spPr>
+        <p:txBody>
+          <a:bodyPr anchor="ctr" bIns="45000" lIns="90000" rIns="90000" tIns="45000"/>
           <a:p>
             <a:pPr algn="ctr">
               <a:lnSpc>
@@ -6864,25 +6612,19 @@
       </p:sp>
       <p:sp>
         <p:nvSpPr>
-          <p:cNvPr id="143" name="TextShape 2"/>
-          <p:cNvSpPr txBox="1"/>
+          <p:cNvPr id="138" name="CustomShape 2"/>
+          <p:cNvSpPr/>
           <p:nvPr/>
         </p:nvSpPr>
         <p:spPr>
           <a:xfrm>
             <a:off x="457200" y="1600200"/>
-            <a:ext cx="8229240" cy="4525560"/>
-          </a:xfrm>
-          <a:prstGeom prst="rect">
-            <a:avLst/>
-          </a:prstGeom>
-        </p:spPr>
-        <p:txBody>
-          <a:bodyPr/>
-          <a:p>
-            <a:endParaRPr/>
-          </a:p>
-        </p:txBody>
+            <a:ext cx="8228880" cy="4525200"/>
+          </a:xfrm>
+          <a:prstGeom prst="rect">
+            <a:avLst/>
+          </a:prstGeom>
+        </p:spPr>
       </p:sp>
     </p:spTree>
   </p:cSld>
@@ -6908,21 +6650,21 @@
       </p:grpSpPr>
       <p:sp>
         <p:nvSpPr>
-          <p:cNvPr id="144" name="TextShape 1"/>
-          <p:cNvSpPr txBox="1"/>
+          <p:cNvPr id="139" name="CustomShape 1"/>
+          <p:cNvSpPr/>
           <p:nvPr/>
         </p:nvSpPr>
         <p:spPr>
           <a:xfrm>
             <a:off x="457200" y="274680"/>
-            <a:ext cx="8229240" cy="1142640"/>
-          </a:xfrm>
-          <a:prstGeom prst="rect">
-            <a:avLst/>
-          </a:prstGeom>
-        </p:spPr>
-        <p:txBody>
-          <a:bodyPr anchor="ctr"/>
+            <a:ext cx="8228880" cy="1142280"/>
+          </a:xfrm>
+          <a:prstGeom prst="rect">
+            <a:avLst/>
+          </a:prstGeom>
+        </p:spPr>
+        <p:txBody>
+          <a:bodyPr anchor="ctr" bIns="45000" lIns="90000" rIns="90000" tIns="45000"/>
           <a:p>
             <a:pPr algn="ctr">
               <a:lnSpc>
@@ -6945,25 +6687,19 @@
       </p:sp>
       <p:sp>
         <p:nvSpPr>
-          <p:cNvPr id="145" name="TextShape 2"/>
-          <p:cNvSpPr txBox="1"/>
+          <p:cNvPr id="140" name="CustomShape 2"/>
+          <p:cNvSpPr/>
           <p:nvPr/>
         </p:nvSpPr>
         <p:spPr>
           <a:xfrm>
             <a:off x="457200" y="1600200"/>
-            <a:ext cx="8229240" cy="4525560"/>
-          </a:xfrm>
-          <a:prstGeom prst="rect">
-            <a:avLst/>
-          </a:prstGeom>
-        </p:spPr>
-        <p:txBody>
-          <a:bodyPr/>
-          <a:p>
-            <a:endParaRPr/>
-          </a:p>
-        </p:txBody>
+            <a:ext cx="8228880" cy="4525200"/>
+          </a:xfrm>
+          <a:prstGeom prst="rect">
+            <a:avLst/>
+          </a:prstGeom>
+        </p:spPr>
       </p:sp>
     </p:spTree>
   </p:cSld>
@@ -6996,21 +6732,21 @@
       </p:grpSpPr>
       <p:sp>
         <p:nvSpPr>
-          <p:cNvPr id="81" name="TextShape 1"/>
-          <p:cNvSpPr txBox="1"/>
+          <p:cNvPr id="75" name="CustomShape 1"/>
+          <p:cNvSpPr/>
           <p:nvPr/>
         </p:nvSpPr>
         <p:spPr>
           <a:xfrm>
             <a:off x="457200" y="274680"/>
-            <a:ext cx="8229240" cy="1142640"/>
-          </a:xfrm>
-          <a:prstGeom prst="rect">
-            <a:avLst/>
-          </a:prstGeom>
-        </p:spPr>
-        <p:txBody>
-          <a:bodyPr anchor="ctr"/>
+            <a:ext cx="8228880" cy="1142280"/>
+          </a:xfrm>
+          <a:prstGeom prst="rect">
+            <a:avLst/>
+          </a:prstGeom>
+        </p:spPr>
+        <p:txBody>
+          <a:bodyPr anchor="ctr" bIns="45000" lIns="90000" rIns="90000" tIns="45000"/>
           <a:p>
             <a:pPr algn="ctr">
               <a:lnSpc>
@@ -7033,21 +6769,21 @@
       </p:sp>
       <p:sp>
         <p:nvSpPr>
-          <p:cNvPr id="82" name="TextShape 2"/>
-          <p:cNvSpPr txBox="1"/>
+          <p:cNvPr id="76" name="CustomShape 2"/>
+          <p:cNvSpPr/>
           <p:nvPr/>
         </p:nvSpPr>
         <p:spPr>
           <a:xfrm>
             <a:off x="457200" y="1600200"/>
-            <a:ext cx="8229240" cy="4525560"/>
-          </a:xfrm>
-          <a:prstGeom prst="rect">
-            <a:avLst/>
-          </a:prstGeom>
-        </p:spPr>
-        <p:txBody>
-          <a:bodyPr/>
+            <a:ext cx="8228880" cy="4525200"/>
+          </a:xfrm>
+          <a:prstGeom prst="rect">
+            <a:avLst/>
+          </a:prstGeom>
+        </p:spPr>
+        <p:txBody>
+          <a:bodyPr bIns="45000" lIns="90000" rIns="90000" tIns="45000"/>
           <a:p>
             <a:pPr>
               <a:lnSpc>
@@ -7215,21 +6951,21 @@
       </p:grpSpPr>
       <p:sp>
         <p:nvSpPr>
-          <p:cNvPr id="83" name="TextShape 1"/>
-          <p:cNvSpPr txBox="1"/>
+          <p:cNvPr id="77" name="CustomShape 1"/>
+          <p:cNvSpPr/>
           <p:nvPr/>
         </p:nvSpPr>
         <p:spPr>
           <a:xfrm>
             <a:off x="457200" y="274680"/>
-            <a:ext cx="8229240" cy="1142640"/>
-          </a:xfrm>
-          <a:prstGeom prst="rect">
-            <a:avLst/>
-          </a:prstGeom>
-        </p:spPr>
-        <p:txBody>
-          <a:bodyPr anchor="ctr"/>
+            <a:ext cx="8228880" cy="1142280"/>
+          </a:xfrm>
+          <a:prstGeom prst="rect">
+            <a:avLst/>
+          </a:prstGeom>
+        </p:spPr>
+        <p:txBody>
+          <a:bodyPr anchor="ctr" bIns="45000" lIns="90000" rIns="90000" tIns="45000"/>
           <a:p>
             <a:pPr algn="ctr">
               <a:lnSpc>
@@ -7252,21 +6988,21 @@
       </p:sp>
       <p:sp>
         <p:nvSpPr>
-          <p:cNvPr id="84" name="TextShape 2"/>
-          <p:cNvSpPr txBox="1"/>
+          <p:cNvPr id="78" name="CustomShape 2"/>
+          <p:cNvSpPr/>
           <p:nvPr/>
         </p:nvSpPr>
         <p:spPr>
           <a:xfrm>
             <a:off x="457200" y="1600200"/>
-            <a:ext cx="8229240" cy="4525560"/>
-          </a:xfrm>
-          <a:prstGeom prst="rect">
-            <a:avLst/>
-          </a:prstGeom>
-        </p:spPr>
-        <p:txBody>
-          <a:bodyPr/>
+            <a:ext cx="8228880" cy="4525200"/>
+          </a:xfrm>
+          <a:prstGeom prst="rect">
+            <a:avLst/>
+          </a:prstGeom>
+        </p:spPr>
+        <p:txBody>
+          <a:bodyPr bIns="45000" lIns="90000" rIns="90000" tIns="45000"/>
           <a:p>
             <a:pPr>
               <a:lnSpc>
@@ -7338,21 +7074,21 @@
       </p:grpSpPr>
       <p:sp>
         <p:nvSpPr>
-          <p:cNvPr id="85" name="TextShape 1"/>
-          <p:cNvSpPr txBox="1"/>
+          <p:cNvPr id="79" name="CustomShape 1"/>
+          <p:cNvSpPr/>
           <p:nvPr/>
         </p:nvSpPr>
         <p:spPr>
           <a:xfrm>
             <a:off x="457200" y="274680"/>
-            <a:ext cx="8229240" cy="1142640"/>
-          </a:xfrm>
-          <a:prstGeom prst="rect">
-            <a:avLst/>
-          </a:prstGeom>
-        </p:spPr>
-        <p:txBody>
-          <a:bodyPr anchor="ctr"/>
+            <a:ext cx="8228880" cy="1142280"/>
+          </a:xfrm>
+          <a:prstGeom prst="rect">
+            <a:avLst/>
+          </a:prstGeom>
+        </p:spPr>
+        <p:txBody>
+          <a:bodyPr anchor="ctr" bIns="45000" lIns="90000" rIns="90000" tIns="45000"/>
           <a:p>
             <a:pPr algn="ctr">
               <a:lnSpc>
@@ -7375,25 +7111,19 @@
       </p:sp>
       <p:sp>
         <p:nvSpPr>
-          <p:cNvPr id="86" name="TextShape 2"/>
-          <p:cNvSpPr txBox="1"/>
+          <p:cNvPr id="80" name="CustomShape 2"/>
+          <p:cNvSpPr/>
           <p:nvPr/>
         </p:nvSpPr>
         <p:spPr>
           <a:xfrm>
             <a:off x="457200" y="1600200"/>
-            <a:ext cx="8229240" cy="4525560"/>
-          </a:xfrm>
-          <a:prstGeom prst="rect">
-            <a:avLst/>
-          </a:prstGeom>
-        </p:spPr>
-        <p:txBody>
-          <a:bodyPr/>
-          <a:p>
-            <a:endParaRPr/>
-          </a:p>
-        </p:txBody>
+            <a:ext cx="8228880" cy="4525200"/>
+          </a:xfrm>
+          <a:prstGeom prst="rect">
+            <a:avLst/>
+          </a:prstGeom>
+        </p:spPr>
       </p:sp>
     </p:spTree>
   </p:cSld>
@@ -7426,21 +7156,21 @@
       </p:grpSpPr>
       <p:sp>
         <p:nvSpPr>
-          <p:cNvPr id="87" name="TextShape 1"/>
-          <p:cNvSpPr txBox="1"/>
+          <p:cNvPr id="81" name="CustomShape 1"/>
+          <p:cNvSpPr/>
           <p:nvPr/>
         </p:nvSpPr>
         <p:spPr>
           <a:xfrm>
             <a:off x="457200" y="274680"/>
-            <a:ext cx="8229240" cy="1142640"/>
-          </a:xfrm>
-          <a:prstGeom prst="rect">
-            <a:avLst/>
-          </a:prstGeom>
-        </p:spPr>
-        <p:txBody>
-          <a:bodyPr anchor="ctr"/>
+            <a:ext cx="8228880" cy="1142280"/>
+          </a:xfrm>
+          <a:prstGeom prst="rect">
+            <a:avLst/>
+          </a:prstGeom>
+        </p:spPr>
+        <p:txBody>
+          <a:bodyPr anchor="ctr" bIns="45000" lIns="90000" rIns="90000" tIns="45000"/>
           <a:p>
             <a:pPr algn="ctr">
               <a:lnSpc>
@@ -7463,25 +7193,19 @@
       </p:sp>
       <p:sp>
         <p:nvSpPr>
-          <p:cNvPr id="88" name="TextShape 2"/>
-          <p:cNvSpPr txBox="1"/>
+          <p:cNvPr id="82" name="CustomShape 2"/>
+          <p:cNvSpPr/>
           <p:nvPr/>
         </p:nvSpPr>
         <p:spPr>
           <a:xfrm>
             <a:off x="457200" y="1600200"/>
-            <a:ext cx="8229240" cy="4525560"/>
-          </a:xfrm>
-          <a:prstGeom prst="rect">
-            <a:avLst/>
-          </a:prstGeom>
-        </p:spPr>
-        <p:txBody>
-          <a:bodyPr/>
-          <a:p>
-            <a:endParaRPr/>
-          </a:p>
-        </p:txBody>
+            <a:ext cx="8228880" cy="4525200"/>
+          </a:xfrm>
+          <a:prstGeom prst="rect">
+            <a:avLst/>
+          </a:prstGeom>
+        </p:spPr>
       </p:sp>
     </p:spTree>
   </p:cSld>
@@ -7514,21 +7238,21 @@
       </p:grpSpPr>
       <p:sp>
         <p:nvSpPr>
-          <p:cNvPr id="89" name="TextShape 1"/>
-          <p:cNvSpPr txBox="1"/>
+          <p:cNvPr id="83" name="CustomShape 1"/>
+          <p:cNvSpPr/>
           <p:nvPr/>
         </p:nvSpPr>
         <p:spPr>
           <a:xfrm>
             <a:off x="457200" y="274680"/>
-            <a:ext cx="8229240" cy="1142640"/>
-          </a:xfrm>
-          <a:prstGeom prst="rect">
-            <a:avLst/>
-          </a:prstGeom>
-        </p:spPr>
-        <p:txBody>
-          <a:bodyPr anchor="ctr"/>
+            <a:ext cx="8228880" cy="1142280"/>
+          </a:xfrm>
+          <a:prstGeom prst="rect">
+            <a:avLst/>
+          </a:prstGeom>
+        </p:spPr>
+        <p:txBody>
+          <a:bodyPr anchor="ctr" bIns="45000" lIns="90000" rIns="90000" tIns="45000"/>
           <a:p>
             <a:pPr algn="ctr">
               <a:lnSpc>
@@ -7551,25 +7275,19 @@
       </p:sp>
       <p:sp>
         <p:nvSpPr>
-          <p:cNvPr id="90" name="TextShape 2"/>
-          <p:cNvSpPr txBox="1"/>
+          <p:cNvPr id="84" name="CustomShape 2"/>
+          <p:cNvSpPr/>
           <p:nvPr/>
         </p:nvSpPr>
         <p:spPr>
           <a:xfrm>
             <a:off x="457200" y="1600200"/>
-            <a:ext cx="8229240" cy="4525560"/>
-          </a:xfrm>
-          <a:prstGeom prst="rect">
-            <a:avLst/>
-          </a:prstGeom>
-        </p:spPr>
-        <p:txBody>
-          <a:bodyPr/>
-          <a:p>
-            <a:endParaRPr/>
-          </a:p>
-        </p:txBody>
+            <a:ext cx="8228880" cy="4525200"/>
+          </a:xfrm>
+          <a:prstGeom prst="rect">
+            <a:avLst/>
+          </a:prstGeom>
+        </p:spPr>
       </p:sp>
     </p:spTree>
   </p:cSld>
@@ -7602,21 +7320,21 @@
       </p:grpSpPr>
       <p:sp>
         <p:nvSpPr>
-          <p:cNvPr id="91" name="TextShape 1"/>
-          <p:cNvSpPr txBox="1"/>
+          <p:cNvPr id="85" name="CustomShape 1"/>
+          <p:cNvSpPr/>
           <p:nvPr/>
         </p:nvSpPr>
         <p:spPr>
           <a:xfrm>
             <a:off x="457200" y="274680"/>
-            <a:ext cx="8229240" cy="1142640"/>
-          </a:xfrm>
-          <a:prstGeom prst="rect">
-            <a:avLst/>
-          </a:prstGeom>
-        </p:spPr>
-        <p:txBody>
-          <a:bodyPr anchor="ctr"/>
+            <a:ext cx="8228880" cy="1142280"/>
+          </a:xfrm>
+          <a:prstGeom prst="rect">
+            <a:avLst/>
+          </a:prstGeom>
+        </p:spPr>
+        <p:txBody>
+          <a:bodyPr anchor="ctr" bIns="45000" lIns="90000" rIns="90000" tIns="45000"/>
           <a:p>
             <a:pPr algn="ctr">
               <a:lnSpc>
@@ -7639,25 +7357,19 @@
       </p:sp>
       <p:sp>
         <p:nvSpPr>
-          <p:cNvPr id="92" name="TextShape 2"/>
-          <p:cNvSpPr txBox="1"/>
+          <p:cNvPr id="86" name="CustomShape 2"/>
+          <p:cNvSpPr/>
           <p:nvPr/>
         </p:nvSpPr>
         <p:spPr>
           <a:xfrm>
             <a:off x="457200" y="1600200"/>
-            <a:ext cx="8229240" cy="4525560"/>
-          </a:xfrm>
-          <a:prstGeom prst="rect">
-            <a:avLst/>
-          </a:prstGeom>
-        </p:spPr>
-        <p:txBody>
-          <a:bodyPr/>
-          <a:p>
-            <a:endParaRPr/>
-          </a:p>
-        </p:txBody>
+            <a:ext cx="8228880" cy="4525200"/>
+          </a:xfrm>
+          <a:prstGeom prst="rect">
+            <a:avLst/>
+          </a:prstGeom>
+        </p:spPr>
       </p:sp>
     </p:spTree>
   </p:cSld>
@@ -7690,21 +7402,21 @@
       </p:grpSpPr>
       <p:sp>
         <p:nvSpPr>
-          <p:cNvPr id="93" name="TextShape 1"/>
-          <p:cNvSpPr txBox="1"/>
+          <p:cNvPr id="87" name="CustomShape 1"/>
+          <p:cNvSpPr/>
           <p:nvPr/>
         </p:nvSpPr>
         <p:spPr>
           <a:xfrm>
             <a:off x="457200" y="274680"/>
-            <a:ext cx="8229240" cy="1142640"/>
-          </a:xfrm>
-          <a:prstGeom prst="rect">
-            <a:avLst/>
-          </a:prstGeom>
-        </p:spPr>
-        <p:txBody>
-          <a:bodyPr anchor="ctr"/>
+            <a:ext cx="8228880" cy="1142280"/>
+          </a:xfrm>
+          <a:prstGeom prst="rect">
+            <a:avLst/>
+          </a:prstGeom>
+        </p:spPr>
+        <p:txBody>
+          <a:bodyPr anchor="ctr" bIns="45000" lIns="90000" rIns="90000" tIns="45000"/>
           <a:p>
             <a:pPr algn="ctr">
               <a:lnSpc>
@@ -7727,25 +7439,19 @@
       </p:sp>
       <p:sp>
         <p:nvSpPr>
-          <p:cNvPr id="94" name="TextShape 2"/>
-          <p:cNvSpPr txBox="1"/>
+          <p:cNvPr id="88" name="CustomShape 2"/>
+          <p:cNvSpPr/>
           <p:nvPr/>
         </p:nvSpPr>
         <p:spPr>
           <a:xfrm>
             <a:off x="457200" y="1600200"/>
-            <a:ext cx="8229240" cy="4525560"/>
-          </a:xfrm>
-          <a:prstGeom prst="rect">
-            <a:avLst/>
-          </a:prstGeom>
-        </p:spPr>
-        <p:txBody>
-          <a:bodyPr/>
-          <a:p>
-            <a:endParaRPr/>
-          </a:p>
-        </p:txBody>
+            <a:ext cx="8228880" cy="4525200"/>
+          </a:xfrm>
+          <a:prstGeom prst="rect">
+            <a:avLst/>
+          </a:prstGeom>
+        </p:spPr>
       </p:sp>
     </p:spTree>
   </p:cSld>
